--- a/doc/sow.pptx
+++ b/doc/sow.pptx
@@ -7,6 +7,7 @@
   <p:sldIdLst>
     <p:sldId id="256" r:id="rId2"/>
     <p:sldId id="257" r:id="rId3"/>
+    <p:sldId id="258" r:id="rId4"/>
   </p:sldIdLst>
   <p:sldSz cx="14400213" cy="11879263"/>
   <p:notesSz cx="6858000" cy="9144000"/>
@@ -105,6 +106,11 @@
       </a:defRPr>
     </a:lvl9pPr>
   </p:defaultTextStyle>
+  <p:extLst>
+    <p:ext uri="{EFAFB233-063F-42B5-8137-9DF3F51BA10A}">
+      <p15:sldGuideLst xmlns:p15="http://schemas.microsoft.com/office/powerpoint/2012/main"/>
+    </p:ext>
+  </p:extLst>
 </p:presentation>
 </file>
 
@@ -239,7 +245,7 @@
           <a:p>
             <a:fld id="{736FABA4-5E72-4344-B066-0334D9268F11}" type="datetimeFigureOut">
               <a:rPr lang="en-US" smtClean="0"/>
-              <a:t>2/23/2019</a:t>
+              <a:t>2/26/2019</a:t>
             </a:fld>
             <a:endParaRPr lang="en-US"/>
           </a:p>
@@ -409,7 +415,7 @@
           <a:p>
             <a:fld id="{736FABA4-5E72-4344-B066-0334D9268F11}" type="datetimeFigureOut">
               <a:rPr lang="en-US" smtClean="0"/>
-              <a:t>2/23/2019</a:t>
+              <a:t>2/26/2019</a:t>
             </a:fld>
             <a:endParaRPr lang="en-US"/>
           </a:p>
@@ -589,7 +595,7 @@
           <a:p>
             <a:fld id="{736FABA4-5E72-4344-B066-0334D9268F11}" type="datetimeFigureOut">
               <a:rPr lang="en-US" smtClean="0"/>
-              <a:t>2/23/2019</a:t>
+              <a:t>2/26/2019</a:t>
             </a:fld>
             <a:endParaRPr lang="en-US"/>
           </a:p>
@@ -759,7 +765,7 @@
           <a:p>
             <a:fld id="{736FABA4-5E72-4344-B066-0334D9268F11}" type="datetimeFigureOut">
               <a:rPr lang="en-US" smtClean="0"/>
-              <a:t>2/23/2019</a:t>
+              <a:t>2/26/2019</a:t>
             </a:fld>
             <a:endParaRPr lang="en-US"/>
           </a:p>
@@ -1003,7 +1009,7 @@
           <a:p>
             <a:fld id="{736FABA4-5E72-4344-B066-0334D9268F11}" type="datetimeFigureOut">
               <a:rPr lang="en-US" smtClean="0"/>
-              <a:t>2/23/2019</a:t>
+              <a:t>2/26/2019</a:t>
             </a:fld>
             <a:endParaRPr lang="en-US"/>
           </a:p>
@@ -1235,7 +1241,7 @@
           <a:p>
             <a:fld id="{736FABA4-5E72-4344-B066-0334D9268F11}" type="datetimeFigureOut">
               <a:rPr lang="en-US" smtClean="0"/>
-              <a:t>2/23/2019</a:t>
+              <a:t>2/26/2019</a:t>
             </a:fld>
             <a:endParaRPr lang="en-US"/>
           </a:p>
@@ -1602,7 +1608,7 @@
           <a:p>
             <a:fld id="{736FABA4-5E72-4344-B066-0334D9268F11}" type="datetimeFigureOut">
               <a:rPr lang="en-US" smtClean="0"/>
-              <a:t>2/23/2019</a:t>
+              <a:t>2/26/2019</a:t>
             </a:fld>
             <a:endParaRPr lang="en-US"/>
           </a:p>
@@ -1720,7 +1726,7 @@
           <a:p>
             <a:fld id="{736FABA4-5E72-4344-B066-0334D9268F11}" type="datetimeFigureOut">
               <a:rPr lang="en-US" smtClean="0"/>
-              <a:t>2/23/2019</a:t>
+              <a:t>2/26/2019</a:t>
             </a:fld>
             <a:endParaRPr lang="en-US"/>
           </a:p>
@@ -1815,7 +1821,7 @@
           <a:p>
             <a:fld id="{736FABA4-5E72-4344-B066-0334D9268F11}" type="datetimeFigureOut">
               <a:rPr lang="en-US" smtClean="0"/>
-              <a:t>2/23/2019</a:t>
+              <a:t>2/26/2019</a:t>
             </a:fld>
             <a:endParaRPr lang="en-US"/>
           </a:p>
@@ -2092,7 +2098,7 @@
           <a:p>
             <a:fld id="{736FABA4-5E72-4344-B066-0334D9268F11}" type="datetimeFigureOut">
               <a:rPr lang="en-US" smtClean="0"/>
-              <a:t>2/23/2019</a:t>
+              <a:t>2/26/2019</a:t>
             </a:fld>
             <a:endParaRPr lang="en-US"/>
           </a:p>
@@ -2349,7 +2355,7 @@
           <a:p>
             <a:fld id="{736FABA4-5E72-4344-B066-0334D9268F11}" type="datetimeFigureOut">
               <a:rPr lang="en-US" smtClean="0"/>
-              <a:t>2/23/2019</a:t>
+              <a:t>2/26/2019</a:t>
             </a:fld>
             <a:endParaRPr lang="en-US"/>
           </a:p>
@@ -2562,7 +2568,7 @@
           <a:p>
             <a:fld id="{736FABA4-5E72-4344-B066-0334D9268F11}" type="datetimeFigureOut">
               <a:rPr lang="en-US" smtClean="0"/>
-              <a:t>2/23/2019</a:t>
+              <a:t>2/26/2019</a:t>
             </a:fld>
             <a:endParaRPr lang="en-US"/>
           </a:p>
@@ -9013,10 +9019,10 @@
       </p:grpSpPr>
       <p:grpSp>
         <p:nvGrpSpPr>
-          <p:cNvPr id="97" name="Group 96">
+          <p:cNvPr id="98" name="Group 97">
             <a:extLst>
               <a:ext uri="{FF2B5EF4-FFF2-40B4-BE49-F238E27FC236}">
-                <a16:creationId xmlns:a16="http://schemas.microsoft.com/office/drawing/2014/main" id="{7597EFF1-6E34-4EE5-899D-33D26E64E314}"/>
+                <a16:creationId xmlns:a16="http://schemas.microsoft.com/office/drawing/2014/main" id="{C8663F4F-FA7A-4245-B937-9030ECEE8B4B}"/>
               </a:ext>
             </a:extLst>
           </p:cNvPr>
@@ -9031,6 +9037,64 @@
             <a:chExt cx="12725400" cy="9355123"/>
           </a:xfrm>
         </p:grpSpPr>
+        <p:sp>
+          <p:nvSpPr>
+            <p:cNvPr id="79" name="Rectangle 78">
+              <a:extLst>
+                <a:ext uri="{FF2B5EF4-FFF2-40B4-BE49-F238E27FC236}">
+                  <a16:creationId xmlns:a16="http://schemas.microsoft.com/office/drawing/2014/main" id="{36E168D0-7B26-43DD-891D-7482B040BD41}"/>
+                </a:ext>
+              </a:extLst>
+            </p:cNvPr>
+            <p:cNvSpPr/>
+            <p:nvPr/>
+          </p:nvSpPr>
+          <p:spPr>
+            <a:xfrm>
+              <a:off x="161350" y="703277"/>
+              <a:ext cx="12725400" cy="9355123"/>
+            </a:xfrm>
+            <a:prstGeom prst="rect">
+              <a:avLst/>
+            </a:prstGeom>
+            <a:solidFill>
+              <a:schemeClr val="bg1">
+                <a:lumMod val="95000"/>
+              </a:schemeClr>
+            </a:solidFill>
+            <a:ln>
+              <a:solidFill>
+                <a:schemeClr val="accent1">
+                  <a:shade val="50000"/>
+                </a:schemeClr>
+              </a:solidFill>
+            </a:ln>
+          </p:spPr>
+          <p:style>
+            <a:lnRef idx="2">
+              <a:schemeClr val="accent1">
+                <a:shade val="50000"/>
+              </a:schemeClr>
+            </a:lnRef>
+            <a:fillRef idx="1">
+              <a:schemeClr val="accent1"/>
+            </a:fillRef>
+            <a:effectRef idx="0">
+              <a:schemeClr val="accent1"/>
+            </a:effectRef>
+            <a:fontRef idx="minor">
+              <a:schemeClr val="lt1"/>
+            </a:fontRef>
+          </p:style>
+          <p:txBody>
+            <a:bodyPr rtlCol="0" anchor="ctr"/>
+            <a:lstStyle/>
+            <a:p>
+              <a:pPr algn="ctr"/>
+              <a:endParaRPr lang="en-US"/>
+            </a:p>
+          </p:txBody>
+        </p:sp>
         <p:sp>
           <p:nvSpPr>
             <p:cNvPr id="17" name="Rectangle: Rounded Corners 16">
@@ -9080,65 +9144,6 @@
               </a:prstTxWarp>
               <a:noAutofit/>
             </a:bodyPr>
-            <a:lstStyle/>
-            <a:p>
-              <a:pPr algn="ctr"/>
-              <a:endParaRPr lang="en-US"/>
-            </a:p>
-          </p:txBody>
-        </p:sp>
-        <p:sp>
-          <p:nvSpPr>
-            <p:cNvPr id="79" name="Rectangle 78">
-              <a:extLst>
-                <a:ext uri="{FF2B5EF4-FFF2-40B4-BE49-F238E27FC236}">
-                  <a16:creationId xmlns:a16="http://schemas.microsoft.com/office/drawing/2014/main" id="{36E168D0-7B26-43DD-891D-7482B040BD41}"/>
-                </a:ext>
-              </a:extLst>
-            </p:cNvPr>
-            <p:cNvSpPr/>
-            <p:nvPr/>
-          </p:nvSpPr>
-          <p:spPr>
-            <a:xfrm>
-              <a:off x="161350" y="703277"/>
-              <a:ext cx="12725400" cy="9355123"/>
-            </a:xfrm>
-            <a:prstGeom prst="rect">
-              <a:avLst/>
-            </a:prstGeom>
-            <a:solidFill>
-              <a:schemeClr val="bg1">
-                <a:lumMod val="75000"/>
-                <a:alpha val="22000"/>
-              </a:schemeClr>
-            </a:solidFill>
-            <a:ln>
-              <a:solidFill>
-                <a:schemeClr val="accent1">
-                  <a:shade val="50000"/>
-                </a:schemeClr>
-              </a:solidFill>
-            </a:ln>
-          </p:spPr>
-          <p:style>
-            <a:lnRef idx="2">
-              <a:schemeClr val="accent1">
-                <a:shade val="50000"/>
-              </a:schemeClr>
-            </a:lnRef>
-            <a:fillRef idx="1">
-              <a:schemeClr val="accent1"/>
-            </a:fillRef>
-            <a:effectRef idx="0">
-              <a:schemeClr val="accent1"/>
-            </a:effectRef>
-            <a:fontRef idx="minor">
-              <a:schemeClr val="lt1"/>
-            </a:fontRef>
-          </p:style>
-          <p:txBody>
-            <a:bodyPr rtlCol="0" anchor="ctr"/>
             <a:lstStyle/>
             <a:p>
               <a:pPr algn="ctr"/>
@@ -11823,6 +11828,1874 @@
 </p:sld>
 </file>
 
+<file path=ppt/slides/slide3.xml><?xml version="1.0" encoding="utf-8"?>
+<p:sld xmlns:a="http://schemas.openxmlformats.org/drawingml/2006/main" xmlns:r="http://schemas.openxmlformats.org/officeDocument/2006/relationships" xmlns:p="http://schemas.openxmlformats.org/presentationml/2006/main">
+  <p:cSld>
+    <p:spTree>
+      <p:nvGrpSpPr>
+        <p:cNvPr id="1" name=""/>
+        <p:cNvGrpSpPr/>
+        <p:nvPr/>
+      </p:nvGrpSpPr>
+      <p:grpSpPr>
+        <a:xfrm>
+          <a:off x="0" y="0"/>
+          <a:ext cx="0" cy="0"/>
+          <a:chOff x="0" y="0"/>
+          <a:chExt cx="0" cy="0"/>
+        </a:xfrm>
+      </p:grpSpPr>
+      <p:grpSp>
+        <p:nvGrpSpPr>
+          <p:cNvPr id="177" name="Group 176">
+            <a:extLst>
+              <a:ext uri="{FF2B5EF4-FFF2-40B4-BE49-F238E27FC236}">
+                <a16:creationId xmlns:a16="http://schemas.microsoft.com/office/drawing/2014/main" id="{3EB669BC-98D6-4485-B7D6-5E1CC035FBB0}"/>
+              </a:ext>
+            </a:extLst>
+          </p:cNvPr>
+          <p:cNvGrpSpPr/>
+          <p:nvPr/>
+        </p:nvGrpSpPr>
+        <p:grpSpPr>
+          <a:xfrm>
+            <a:off x="750346" y="2446020"/>
+            <a:ext cx="8730538" cy="8975959"/>
+            <a:chOff x="750346" y="2446020"/>
+            <a:chExt cx="8730538" cy="8975959"/>
+          </a:xfrm>
+        </p:grpSpPr>
+        <p:sp>
+          <p:nvSpPr>
+            <p:cNvPr id="176" name="Rectangle 175">
+              <a:extLst>
+                <a:ext uri="{FF2B5EF4-FFF2-40B4-BE49-F238E27FC236}">
+                  <a16:creationId xmlns:a16="http://schemas.microsoft.com/office/drawing/2014/main" id="{78A97797-CD15-41A7-B5CA-0893D0F98823}"/>
+                </a:ext>
+              </a:extLst>
+            </p:cNvPr>
+            <p:cNvSpPr/>
+            <p:nvPr/>
+          </p:nvSpPr>
+          <p:spPr>
+            <a:xfrm>
+              <a:off x="750346" y="2446020"/>
+              <a:ext cx="8730538" cy="8975959"/>
+            </a:xfrm>
+            <a:prstGeom prst="rect">
+              <a:avLst/>
+            </a:prstGeom>
+            <a:solidFill>
+              <a:schemeClr val="bg1">
+                <a:lumMod val="95000"/>
+              </a:schemeClr>
+            </a:solidFill>
+            <a:ln>
+              <a:solidFill>
+                <a:schemeClr val="accent1">
+                  <a:shade val="50000"/>
+                </a:schemeClr>
+              </a:solidFill>
+            </a:ln>
+          </p:spPr>
+          <p:style>
+            <a:lnRef idx="2">
+              <a:schemeClr val="accent1">
+                <a:shade val="50000"/>
+              </a:schemeClr>
+            </a:lnRef>
+            <a:fillRef idx="1">
+              <a:schemeClr val="accent1"/>
+            </a:fillRef>
+            <a:effectRef idx="0">
+              <a:schemeClr val="accent1"/>
+            </a:effectRef>
+            <a:fontRef idx="minor">
+              <a:schemeClr val="lt1"/>
+            </a:fontRef>
+          </p:style>
+          <p:txBody>
+            <a:bodyPr rtlCol="0" anchor="ctr"/>
+            <a:lstStyle/>
+            <a:p>
+              <a:pPr algn="ctr"/>
+              <a:endParaRPr lang="en-US"/>
+            </a:p>
+          </p:txBody>
+        </p:sp>
+        <p:grpSp>
+          <p:nvGrpSpPr>
+            <p:cNvPr id="72" name="Group 71">
+              <a:extLst>
+                <a:ext uri="{FF2B5EF4-FFF2-40B4-BE49-F238E27FC236}">
+                  <a16:creationId xmlns:a16="http://schemas.microsoft.com/office/drawing/2014/main" id="{EF42E305-62C5-4B00-B5B9-A8E36FFB430F}"/>
+                </a:ext>
+              </a:extLst>
+            </p:cNvPr>
+            <p:cNvGrpSpPr/>
+            <p:nvPr/>
+          </p:nvGrpSpPr>
+          <p:grpSpPr>
+            <a:xfrm>
+              <a:off x="1313082" y="5160752"/>
+              <a:ext cx="1551624" cy="2519506"/>
+              <a:chOff x="815780" y="5160752"/>
+              <a:chExt cx="1551624" cy="2519506"/>
+            </a:xfrm>
+          </p:grpSpPr>
+          <p:sp>
+            <p:nvSpPr>
+              <p:cNvPr id="2" name="Rectangle: Rounded Corners 1">
+                <a:extLst>
+                  <a:ext uri="{FF2B5EF4-FFF2-40B4-BE49-F238E27FC236}">
+                    <a16:creationId xmlns:a16="http://schemas.microsoft.com/office/drawing/2014/main" id="{5CB3DB6C-0876-4C3B-AE9F-8D786656DC4C}"/>
+                  </a:ext>
+                </a:extLst>
+              </p:cNvPr>
+              <p:cNvSpPr/>
+              <p:nvPr/>
+            </p:nvSpPr>
+            <p:spPr>
+              <a:xfrm>
+                <a:off x="815780" y="6610848"/>
+                <a:ext cx="1551624" cy="1069410"/>
+              </a:xfrm>
+              <a:prstGeom prst="roundRect">
+                <a:avLst>
+                  <a:gd name="adj" fmla="val 17582"/>
+                </a:avLst>
+              </a:prstGeom>
+              <a:solidFill>
+                <a:srgbClr val="FFE9A3"/>
+              </a:solidFill>
+            </p:spPr>
+            <p:style>
+              <a:lnRef idx="2">
+                <a:schemeClr val="accent1">
+                  <a:shade val="50000"/>
+                </a:schemeClr>
+              </a:lnRef>
+              <a:fillRef idx="1">
+                <a:schemeClr val="accent1"/>
+              </a:fillRef>
+              <a:effectRef idx="0">
+                <a:schemeClr val="accent1"/>
+              </a:effectRef>
+              <a:fontRef idx="minor">
+                <a:schemeClr val="lt1"/>
+              </a:fontRef>
+            </p:style>
+            <p:txBody>
+              <a:bodyPr rot="0" spcFirstLastPara="0" vertOverflow="overflow" horzOverflow="overflow" vert="horz" wrap="square" lIns="91440" tIns="45720" rIns="91440" bIns="45720" numCol="1" spcCol="0" rtlCol="0" fromWordArt="0" anchor="ctr" anchorCtr="0" forceAA="0" compatLnSpc="1">
+                <a:prstTxWarp prst="textNoShape">
+                  <a:avLst/>
+                </a:prstTxWarp>
+                <a:noAutofit/>
+              </a:bodyPr>
+              <a:lstStyle/>
+              <a:p>
+                <a:pPr algn="ctr"/>
+                <a:endParaRPr lang="en-US"/>
+              </a:p>
+            </p:txBody>
+          </p:sp>
+          <p:sp>
+            <p:nvSpPr>
+              <p:cNvPr id="3" name="Rectangle: Rounded Corners 2">
+                <a:extLst>
+                  <a:ext uri="{FF2B5EF4-FFF2-40B4-BE49-F238E27FC236}">
+                    <a16:creationId xmlns:a16="http://schemas.microsoft.com/office/drawing/2014/main" id="{1F013AF1-29F8-470D-BED0-217917BDC8D3}"/>
+                  </a:ext>
+                </a:extLst>
+              </p:cNvPr>
+              <p:cNvSpPr/>
+              <p:nvPr/>
+            </p:nvSpPr>
+            <p:spPr>
+              <a:xfrm>
+                <a:off x="815780" y="5160752"/>
+                <a:ext cx="1551624" cy="1069410"/>
+              </a:xfrm>
+              <a:prstGeom prst="roundRect">
+                <a:avLst>
+                  <a:gd name="adj" fmla="val 17582"/>
+                </a:avLst>
+              </a:prstGeom>
+              <a:solidFill>
+                <a:srgbClr val="FFE9A3"/>
+              </a:solidFill>
+            </p:spPr>
+            <p:style>
+              <a:lnRef idx="2">
+                <a:schemeClr val="accent1">
+                  <a:shade val="50000"/>
+                </a:schemeClr>
+              </a:lnRef>
+              <a:fillRef idx="1">
+                <a:schemeClr val="accent1"/>
+              </a:fillRef>
+              <a:effectRef idx="0">
+                <a:schemeClr val="accent1"/>
+              </a:effectRef>
+              <a:fontRef idx="minor">
+                <a:schemeClr val="lt1"/>
+              </a:fontRef>
+            </p:style>
+            <p:txBody>
+              <a:bodyPr rot="0" spcFirstLastPara="0" vertOverflow="overflow" horzOverflow="overflow" vert="horz" wrap="square" lIns="91440" tIns="45720" rIns="91440" bIns="45720" numCol="1" spcCol="0" rtlCol="0" fromWordArt="0" anchor="ctr" anchorCtr="0" forceAA="0" compatLnSpc="1">
+                <a:prstTxWarp prst="textNoShape">
+                  <a:avLst/>
+                </a:prstTxWarp>
+                <a:noAutofit/>
+              </a:bodyPr>
+              <a:lstStyle/>
+              <a:p>
+                <a:pPr algn="ctr"/>
+                <a:endParaRPr lang="en-US"/>
+              </a:p>
+            </p:txBody>
+          </p:sp>
+        </p:grpSp>
+        <p:sp>
+          <p:nvSpPr>
+            <p:cNvPr id="10" name="TextBox 9">
+              <a:extLst>
+                <a:ext uri="{FF2B5EF4-FFF2-40B4-BE49-F238E27FC236}">
+                  <a16:creationId xmlns:a16="http://schemas.microsoft.com/office/drawing/2014/main" id="{4A4CCB48-4D67-451D-8F0B-154164245727}"/>
+                </a:ext>
+              </a:extLst>
+            </p:cNvPr>
+            <p:cNvSpPr txBox="1"/>
+            <p:nvPr/>
+          </p:nvSpPr>
+          <p:spPr>
+            <a:xfrm>
+              <a:off x="1499053" y="4271405"/>
+              <a:ext cx="1354025" cy="646331"/>
+            </a:xfrm>
+            <a:prstGeom prst="rect">
+              <a:avLst/>
+            </a:prstGeom>
+            <a:noFill/>
+          </p:spPr>
+          <p:txBody>
+            <a:bodyPr wrap="none" rtlCol="0">
+              <a:spAutoFit/>
+            </a:bodyPr>
+            <a:lstStyle/>
+            <a:p>
+              <a:pPr algn="ctr"/>
+              <a:r>
+                <a:rPr lang="de-DE" dirty="0" err="1"/>
+                <a:t>used</a:t>
+              </a:r>
+              <a:endParaRPr lang="de-DE" dirty="0"/>
+            </a:p>
+            <a:p>
+              <a:pPr algn="ctr"/>
+              <a:r>
+                <a:rPr lang="de-DE" dirty="0" err="1"/>
+                <a:t>components</a:t>
+              </a:r>
+              <a:endParaRPr lang="en-US" dirty="0"/>
+            </a:p>
+          </p:txBody>
+        </p:sp>
+        <p:sp>
+          <p:nvSpPr>
+            <p:cNvPr id="13" name="TextBox 12">
+              <a:extLst>
+                <a:ext uri="{FF2B5EF4-FFF2-40B4-BE49-F238E27FC236}">
+                  <a16:creationId xmlns:a16="http://schemas.microsoft.com/office/drawing/2014/main" id="{CAC14D6B-8870-40EC-A78B-B0B271C703A3}"/>
+                </a:ext>
+              </a:extLst>
+            </p:cNvPr>
+            <p:cNvSpPr txBox="1"/>
+            <p:nvPr/>
+          </p:nvSpPr>
+          <p:spPr>
+            <a:xfrm>
+              <a:off x="7298906" y="4271405"/>
+              <a:ext cx="1354025" cy="646331"/>
+            </a:xfrm>
+            <a:prstGeom prst="rect">
+              <a:avLst/>
+            </a:prstGeom>
+            <a:noFill/>
+          </p:spPr>
+          <p:txBody>
+            <a:bodyPr wrap="none" rtlCol="0">
+              <a:spAutoFit/>
+            </a:bodyPr>
+            <a:lstStyle/>
+            <a:p>
+              <a:pPr algn="ctr"/>
+              <a:r>
+                <a:rPr lang="de-DE" dirty="0" err="1"/>
+                <a:t>using</a:t>
+              </a:r>
+              <a:endParaRPr lang="de-DE" dirty="0"/>
+            </a:p>
+            <a:p>
+              <a:pPr algn="ctr"/>
+              <a:r>
+                <a:rPr lang="de-DE" dirty="0" err="1"/>
+                <a:t>components</a:t>
+              </a:r>
+              <a:endParaRPr lang="en-US" dirty="0"/>
+            </a:p>
+          </p:txBody>
+        </p:sp>
+        <p:grpSp>
+          <p:nvGrpSpPr>
+            <p:cNvPr id="14" name="Group 13">
+              <a:extLst>
+                <a:ext uri="{FF2B5EF4-FFF2-40B4-BE49-F238E27FC236}">
+                  <a16:creationId xmlns:a16="http://schemas.microsoft.com/office/drawing/2014/main" id="{673A7924-7A4F-4262-A48C-8A036F5A7176}"/>
+                </a:ext>
+              </a:extLst>
+            </p:cNvPr>
+            <p:cNvGrpSpPr/>
+            <p:nvPr/>
+          </p:nvGrpSpPr>
+          <p:grpSpPr>
+            <a:xfrm>
+              <a:off x="4356682" y="2867504"/>
+              <a:ext cx="1320800" cy="1022697"/>
+              <a:chOff x="4131473" y="481568"/>
+              <a:chExt cx="1049622" cy="1022697"/>
+            </a:xfrm>
+          </p:grpSpPr>
+          <p:sp>
+            <p:nvSpPr>
+              <p:cNvPr id="15" name="Rectangle 14">
+                <a:extLst>
+                  <a:ext uri="{FF2B5EF4-FFF2-40B4-BE49-F238E27FC236}">
+                    <a16:creationId xmlns:a16="http://schemas.microsoft.com/office/drawing/2014/main" id="{FA20A1CF-BE7E-45BE-AAD8-8C8551479C67}"/>
+                  </a:ext>
+                </a:extLst>
+              </p:cNvPr>
+              <p:cNvSpPr/>
+              <p:nvPr/>
+            </p:nvSpPr>
+            <p:spPr>
+              <a:xfrm>
+                <a:off x="4165095" y="843865"/>
+                <a:ext cx="1016000" cy="660400"/>
+              </a:xfrm>
+              <a:prstGeom prst="rect">
+                <a:avLst/>
+              </a:prstGeom>
+              <a:solidFill>
+                <a:schemeClr val="accent4">
+                  <a:lumMod val="75000"/>
+                </a:schemeClr>
+              </a:solidFill>
+            </p:spPr>
+            <p:style>
+              <a:lnRef idx="2">
+                <a:schemeClr val="accent1">
+                  <a:shade val="50000"/>
+                </a:schemeClr>
+              </a:lnRef>
+              <a:fillRef idx="1">
+                <a:schemeClr val="accent1"/>
+              </a:fillRef>
+              <a:effectRef idx="0">
+                <a:schemeClr val="accent1"/>
+              </a:effectRef>
+              <a:fontRef idx="minor">
+                <a:schemeClr val="lt1"/>
+              </a:fontRef>
+            </p:style>
+            <p:txBody>
+              <a:bodyPr rot="0" spcFirstLastPara="0" vertOverflow="overflow" horzOverflow="overflow" vert="horz" wrap="square" lIns="91440" tIns="45720" rIns="91440" bIns="45720" numCol="1" spcCol="0" rtlCol="0" fromWordArt="0" anchor="ctr" anchorCtr="0" forceAA="0" compatLnSpc="1">
+                <a:prstTxWarp prst="textNoShape">
+                  <a:avLst/>
+                </a:prstTxWarp>
+                <a:noAutofit/>
+              </a:bodyPr>
+              <a:lstStyle/>
+              <a:p>
+                <a:pPr algn="ctr"/>
+                <a:endParaRPr lang="en-US"/>
+              </a:p>
+            </p:txBody>
+          </p:sp>
+          <p:sp>
+            <p:nvSpPr>
+              <p:cNvPr id="16" name="TextBox 15">
+                <a:extLst>
+                  <a:ext uri="{FF2B5EF4-FFF2-40B4-BE49-F238E27FC236}">
+                    <a16:creationId xmlns:a16="http://schemas.microsoft.com/office/drawing/2014/main" id="{4AFD54A6-9E65-4C01-B9F1-C6F1559FC723}"/>
+                  </a:ext>
+                </a:extLst>
+              </p:cNvPr>
+              <p:cNvSpPr txBox="1"/>
+              <p:nvPr/>
+            </p:nvSpPr>
+            <p:spPr>
+              <a:xfrm>
+                <a:off x="4131473" y="481568"/>
+                <a:ext cx="982320" cy="338554"/>
+              </a:xfrm>
+              <a:prstGeom prst="rect">
+                <a:avLst/>
+              </a:prstGeom>
+              <a:noFill/>
+            </p:spPr>
+            <p:txBody>
+              <a:bodyPr wrap="none" rtlCol="0">
+                <a:spAutoFit/>
+              </a:bodyPr>
+              <a:lstStyle/>
+              <a:p>
+                <a:r>
+                  <a:rPr lang="de-DE" sz="1600" dirty="0" err="1"/>
+                  <a:t>acre.yaml</a:t>
+                </a:r>
+                <a:endParaRPr lang="en-US" sz="1600" dirty="0"/>
+              </a:p>
+            </p:txBody>
+          </p:sp>
+        </p:grpSp>
+        <p:sp>
+          <p:nvSpPr>
+            <p:cNvPr id="40" name="Flowchart: Multidocument 39">
+              <a:extLst>
+                <a:ext uri="{FF2B5EF4-FFF2-40B4-BE49-F238E27FC236}">
+                  <a16:creationId xmlns:a16="http://schemas.microsoft.com/office/drawing/2014/main" id="{073948E0-A1B9-49E6-9095-D8B1A4C97E1C}"/>
+                </a:ext>
+              </a:extLst>
+            </p:cNvPr>
+            <p:cNvSpPr/>
+            <p:nvPr/>
+          </p:nvSpPr>
+          <p:spPr>
+            <a:xfrm>
+              <a:off x="4438712" y="10329389"/>
+              <a:ext cx="1156740" cy="933076"/>
+            </a:xfrm>
+            <a:prstGeom prst="flowChartMultidocument">
+              <a:avLst/>
+            </a:prstGeom>
+            <a:solidFill>
+              <a:srgbClr val="FF9797"/>
+            </a:solidFill>
+          </p:spPr>
+          <p:style>
+            <a:lnRef idx="2">
+              <a:schemeClr val="accent1">
+                <a:shade val="50000"/>
+              </a:schemeClr>
+            </a:lnRef>
+            <a:fillRef idx="1">
+              <a:schemeClr val="accent1"/>
+            </a:fillRef>
+            <a:effectRef idx="0">
+              <a:schemeClr val="accent1"/>
+            </a:effectRef>
+            <a:fontRef idx="minor">
+              <a:schemeClr val="lt1"/>
+            </a:fontRef>
+          </p:style>
+          <p:txBody>
+            <a:bodyPr rot="0" spcFirstLastPara="0" vertOverflow="overflow" horzOverflow="overflow" vert="horz" wrap="square" lIns="91440" tIns="45720" rIns="91440" bIns="45720" numCol="1" spcCol="0" rtlCol="0" fromWordArt="0" anchor="ctr" anchorCtr="0" forceAA="0" compatLnSpc="1">
+              <a:prstTxWarp prst="textNoShape">
+                <a:avLst/>
+              </a:prstTxWarp>
+              <a:noAutofit/>
+            </a:bodyPr>
+            <a:lstStyle/>
+            <a:p>
+              <a:pPr algn="ctr"/>
+              <a:endParaRPr lang="en-US"/>
+            </a:p>
+          </p:txBody>
+        </p:sp>
+        <p:sp>
+          <p:nvSpPr>
+            <p:cNvPr id="41" name="TextBox 40">
+              <a:extLst>
+                <a:ext uri="{FF2B5EF4-FFF2-40B4-BE49-F238E27FC236}">
+                  <a16:creationId xmlns:a16="http://schemas.microsoft.com/office/drawing/2014/main" id="{56EA5851-571F-4886-B0CF-ED415637251D}"/>
+                </a:ext>
+              </a:extLst>
+            </p:cNvPr>
+            <p:cNvSpPr txBox="1"/>
+            <p:nvPr/>
+          </p:nvSpPr>
+          <p:spPr>
+            <a:xfrm>
+              <a:off x="4483635" y="10571327"/>
+              <a:ext cx="1066894" cy="523221"/>
+            </a:xfrm>
+            <a:prstGeom prst="rect">
+              <a:avLst/>
+            </a:prstGeom>
+            <a:noFill/>
+          </p:spPr>
+          <p:txBody>
+            <a:bodyPr wrap="none" rtlCol="0">
+              <a:spAutoFit/>
+            </a:bodyPr>
+            <a:lstStyle/>
+            <a:p>
+              <a:pPr algn="ctr"/>
+              <a:r>
+                <a:rPr lang="de-DE" sz="1400" dirty="0" err="1"/>
+                <a:t>deployment</a:t>
+              </a:r>
+              <a:endParaRPr lang="de-DE" sz="1400" dirty="0"/>
+            </a:p>
+            <a:p>
+              <a:pPr algn="ctr"/>
+              <a:r>
+                <a:rPr lang="de-DE" sz="1400" dirty="0" err="1"/>
+                <a:t>targets</a:t>
+              </a:r>
+              <a:endParaRPr lang="en-US" sz="1400" dirty="0"/>
+            </a:p>
+          </p:txBody>
+        </p:sp>
+        <p:cxnSp>
+          <p:nvCxnSpPr>
+            <p:cNvPr id="66" name="Straight Arrow Connector 65">
+              <a:extLst>
+                <a:ext uri="{FF2B5EF4-FFF2-40B4-BE49-F238E27FC236}">
+                  <a16:creationId xmlns:a16="http://schemas.microsoft.com/office/drawing/2014/main" id="{49CE1336-FA6B-4D1C-BCE5-9DB2CFACFA29}"/>
+                </a:ext>
+              </a:extLst>
+            </p:cNvPr>
+            <p:cNvCxnSpPr>
+              <a:cxnSpLocks/>
+              <a:stCxn id="2" idx="3"/>
+              <a:endCxn id="12" idx="1"/>
+            </p:cNvCxnSpPr>
+            <p:nvPr/>
+          </p:nvCxnSpPr>
+          <p:spPr>
+            <a:xfrm flipV="1">
+              <a:off x="2864706" y="6420505"/>
+              <a:ext cx="1376564" cy="725048"/>
+            </a:xfrm>
+            <a:prstGeom prst="straightConnector1">
+              <a:avLst/>
+            </a:prstGeom>
+            <a:ln>
+              <a:tailEnd type="triangle"/>
+            </a:ln>
+          </p:spPr>
+          <p:style>
+            <a:lnRef idx="1">
+              <a:schemeClr val="accent1"/>
+            </a:lnRef>
+            <a:fillRef idx="0">
+              <a:schemeClr val="accent1"/>
+            </a:fillRef>
+            <a:effectRef idx="0">
+              <a:schemeClr val="accent1"/>
+            </a:effectRef>
+            <a:fontRef idx="minor">
+              <a:schemeClr val="tx1"/>
+            </a:fontRef>
+          </p:style>
+        </p:cxnSp>
+        <p:cxnSp>
+          <p:nvCxnSpPr>
+            <p:cNvPr id="68" name="Straight Arrow Connector 67">
+              <a:extLst>
+                <a:ext uri="{FF2B5EF4-FFF2-40B4-BE49-F238E27FC236}">
+                  <a16:creationId xmlns:a16="http://schemas.microsoft.com/office/drawing/2014/main" id="{A0BCF45E-02FA-49CC-A7FA-063C487EEC66}"/>
+                </a:ext>
+              </a:extLst>
+            </p:cNvPr>
+            <p:cNvCxnSpPr>
+              <a:cxnSpLocks/>
+              <a:stCxn id="3" idx="3"/>
+              <a:endCxn id="12" idx="1"/>
+            </p:cNvCxnSpPr>
+            <p:nvPr/>
+          </p:nvCxnSpPr>
+          <p:spPr>
+            <a:xfrm>
+              <a:off x="2864706" y="5695457"/>
+              <a:ext cx="1376564" cy="725048"/>
+            </a:xfrm>
+            <a:prstGeom prst="straightConnector1">
+              <a:avLst/>
+            </a:prstGeom>
+            <a:ln>
+              <a:tailEnd type="triangle"/>
+            </a:ln>
+          </p:spPr>
+          <p:style>
+            <a:lnRef idx="1">
+              <a:schemeClr val="accent1"/>
+            </a:lnRef>
+            <a:fillRef idx="0">
+              <a:schemeClr val="accent1"/>
+            </a:fillRef>
+            <a:effectRef idx="0">
+              <a:schemeClr val="accent1"/>
+            </a:effectRef>
+            <a:fontRef idx="minor">
+              <a:schemeClr val="tx1"/>
+            </a:fontRef>
+          </p:style>
+        </p:cxnSp>
+        <p:cxnSp>
+          <p:nvCxnSpPr>
+            <p:cNvPr id="69" name="Straight Arrow Connector 68">
+              <a:extLst>
+                <a:ext uri="{FF2B5EF4-FFF2-40B4-BE49-F238E27FC236}">
+                  <a16:creationId xmlns:a16="http://schemas.microsoft.com/office/drawing/2014/main" id="{2AF3FF00-F1E0-4335-93A1-49FCE5A502D6}"/>
+                </a:ext>
+              </a:extLst>
+            </p:cNvPr>
+            <p:cNvCxnSpPr>
+              <a:cxnSpLocks/>
+              <a:stCxn id="12" idx="3"/>
+              <a:endCxn id="11" idx="1"/>
+            </p:cNvCxnSpPr>
+            <p:nvPr/>
+          </p:nvCxnSpPr>
+          <p:spPr>
+            <a:xfrm flipV="1">
+              <a:off x="5792894" y="5695457"/>
+              <a:ext cx="1407212" cy="725048"/>
+            </a:xfrm>
+            <a:prstGeom prst="straightConnector1">
+              <a:avLst/>
+            </a:prstGeom>
+            <a:ln>
+              <a:prstDash val="sysDash"/>
+              <a:tailEnd type="triangle"/>
+            </a:ln>
+          </p:spPr>
+          <p:style>
+            <a:lnRef idx="1">
+              <a:schemeClr val="accent1"/>
+            </a:lnRef>
+            <a:fillRef idx="0">
+              <a:schemeClr val="accent1"/>
+            </a:fillRef>
+            <a:effectRef idx="0">
+              <a:schemeClr val="accent1"/>
+            </a:effectRef>
+            <a:fontRef idx="minor">
+              <a:schemeClr val="tx1"/>
+            </a:fontRef>
+          </p:style>
+        </p:cxnSp>
+        <p:cxnSp>
+          <p:nvCxnSpPr>
+            <p:cNvPr id="73" name="Straight Arrow Connector 72">
+              <a:extLst>
+                <a:ext uri="{FF2B5EF4-FFF2-40B4-BE49-F238E27FC236}">
+                  <a16:creationId xmlns:a16="http://schemas.microsoft.com/office/drawing/2014/main" id="{DB8C3DA4-D488-4900-B4E3-7F681FEFBF45}"/>
+                </a:ext>
+              </a:extLst>
+            </p:cNvPr>
+            <p:cNvCxnSpPr>
+              <a:cxnSpLocks/>
+              <a:stCxn id="12" idx="3"/>
+            </p:cNvCxnSpPr>
+            <p:nvPr/>
+          </p:nvCxnSpPr>
+          <p:spPr>
+            <a:xfrm>
+              <a:off x="5792894" y="6420505"/>
+              <a:ext cx="1407212" cy="725048"/>
+            </a:xfrm>
+            <a:prstGeom prst="straightConnector1">
+              <a:avLst/>
+            </a:prstGeom>
+            <a:ln>
+              <a:prstDash val="sysDash"/>
+              <a:tailEnd type="triangle"/>
+            </a:ln>
+          </p:spPr>
+          <p:style>
+            <a:lnRef idx="1">
+              <a:schemeClr val="accent1"/>
+            </a:lnRef>
+            <a:fillRef idx="0">
+              <a:schemeClr val="accent1"/>
+            </a:fillRef>
+            <a:effectRef idx="0">
+              <a:schemeClr val="accent1"/>
+            </a:effectRef>
+            <a:fontRef idx="minor">
+              <a:schemeClr val="tx1"/>
+            </a:fontRef>
+          </p:style>
+        </p:cxnSp>
+        <p:sp>
+          <p:nvSpPr>
+            <p:cNvPr id="80" name="TextBox 79">
+              <a:extLst>
+                <a:ext uri="{FF2B5EF4-FFF2-40B4-BE49-F238E27FC236}">
+                  <a16:creationId xmlns:a16="http://schemas.microsoft.com/office/drawing/2014/main" id="{1E0E02EC-5C2D-4F08-8FD3-C056EFC92FB0}"/>
+                </a:ext>
+              </a:extLst>
+            </p:cNvPr>
+            <p:cNvSpPr txBox="1"/>
+            <p:nvPr/>
+          </p:nvSpPr>
+          <p:spPr>
+            <a:xfrm>
+              <a:off x="8142172" y="2525437"/>
+              <a:ext cx="1219116" cy="369332"/>
+            </a:xfrm>
+            <a:prstGeom prst="rect">
+              <a:avLst/>
+            </a:prstGeom>
+            <a:noFill/>
+          </p:spPr>
+          <p:txBody>
+            <a:bodyPr wrap="none" rtlCol="0">
+              <a:spAutoFit/>
+            </a:bodyPr>
+            <a:lstStyle/>
+            <a:p>
+              <a:r>
+                <a:rPr lang="de-DE" dirty="0" err="1"/>
+                <a:t>installation</a:t>
+              </a:r>
+              <a:endParaRPr lang="en-US" dirty="0"/>
+            </a:p>
+          </p:txBody>
+        </p:sp>
+        <p:grpSp>
+          <p:nvGrpSpPr>
+            <p:cNvPr id="70" name="Group 69">
+              <a:extLst>
+                <a:ext uri="{FF2B5EF4-FFF2-40B4-BE49-F238E27FC236}">
+                  <a16:creationId xmlns:a16="http://schemas.microsoft.com/office/drawing/2014/main" id="{422DDDF1-0BA1-4E72-9BFC-00C68CED7AA3}"/>
+                </a:ext>
+              </a:extLst>
+            </p:cNvPr>
+            <p:cNvGrpSpPr/>
+            <p:nvPr/>
+          </p:nvGrpSpPr>
+          <p:grpSpPr>
+            <a:xfrm>
+              <a:off x="7200106" y="5160752"/>
+              <a:ext cx="1551624" cy="2519506"/>
+              <a:chOff x="7200106" y="5160752"/>
+              <a:chExt cx="1551624" cy="2519506"/>
+            </a:xfrm>
+          </p:grpSpPr>
+          <p:sp>
+            <p:nvSpPr>
+              <p:cNvPr id="11" name="Rectangle: Rounded Corners 10">
+                <a:extLst>
+                  <a:ext uri="{FF2B5EF4-FFF2-40B4-BE49-F238E27FC236}">
+                    <a16:creationId xmlns:a16="http://schemas.microsoft.com/office/drawing/2014/main" id="{2111D261-C47F-4A09-8DB3-8B4D7E08B322}"/>
+                  </a:ext>
+                </a:extLst>
+              </p:cNvPr>
+              <p:cNvSpPr/>
+              <p:nvPr/>
+            </p:nvSpPr>
+            <p:spPr>
+              <a:xfrm>
+                <a:off x="7200106" y="5160752"/>
+                <a:ext cx="1551624" cy="1069410"/>
+              </a:xfrm>
+              <a:prstGeom prst="roundRect">
+                <a:avLst>
+                  <a:gd name="adj" fmla="val 17582"/>
+                </a:avLst>
+              </a:prstGeom>
+              <a:solidFill>
+                <a:srgbClr val="FFE9A3"/>
+              </a:solidFill>
+            </p:spPr>
+            <p:style>
+              <a:lnRef idx="2">
+                <a:schemeClr val="accent1">
+                  <a:shade val="50000"/>
+                </a:schemeClr>
+              </a:lnRef>
+              <a:fillRef idx="1">
+                <a:schemeClr val="accent1"/>
+              </a:fillRef>
+              <a:effectRef idx="0">
+                <a:schemeClr val="accent1"/>
+              </a:effectRef>
+              <a:fontRef idx="minor">
+                <a:schemeClr val="lt1"/>
+              </a:fontRef>
+            </p:style>
+            <p:txBody>
+              <a:bodyPr rot="0" spcFirstLastPara="0" vertOverflow="overflow" horzOverflow="overflow" vert="horz" wrap="square" lIns="91440" tIns="45720" rIns="91440" bIns="45720" numCol="1" spcCol="0" rtlCol="0" fromWordArt="0" anchor="ctr" anchorCtr="0" forceAA="0" compatLnSpc="1">
+                <a:prstTxWarp prst="textNoShape">
+                  <a:avLst/>
+                </a:prstTxWarp>
+                <a:noAutofit/>
+              </a:bodyPr>
+              <a:lstStyle/>
+              <a:p>
+                <a:pPr algn="ctr"/>
+                <a:endParaRPr lang="en-US"/>
+              </a:p>
+            </p:txBody>
+          </p:sp>
+          <p:sp>
+            <p:nvSpPr>
+              <p:cNvPr id="71" name="Rectangle: Rounded Corners 70">
+                <a:extLst>
+                  <a:ext uri="{FF2B5EF4-FFF2-40B4-BE49-F238E27FC236}">
+                    <a16:creationId xmlns:a16="http://schemas.microsoft.com/office/drawing/2014/main" id="{D401B577-60D8-49A2-8E00-32F4699E7A41}"/>
+                  </a:ext>
+                </a:extLst>
+              </p:cNvPr>
+              <p:cNvSpPr/>
+              <p:nvPr/>
+            </p:nvSpPr>
+            <p:spPr>
+              <a:xfrm>
+                <a:off x="7200106" y="6610848"/>
+                <a:ext cx="1551624" cy="1069410"/>
+              </a:xfrm>
+              <a:prstGeom prst="roundRect">
+                <a:avLst>
+                  <a:gd name="adj" fmla="val 17582"/>
+                </a:avLst>
+              </a:prstGeom>
+              <a:solidFill>
+                <a:srgbClr val="FFE9A3"/>
+              </a:solidFill>
+            </p:spPr>
+            <p:style>
+              <a:lnRef idx="2">
+                <a:schemeClr val="accent1">
+                  <a:shade val="50000"/>
+                </a:schemeClr>
+              </a:lnRef>
+              <a:fillRef idx="1">
+                <a:schemeClr val="accent1"/>
+              </a:fillRef>
+              <a:effectRef idx="0">
+                <a:schemeClr val="accent1"/>
+              </a:effectRef>
+              <a:fontRef idx="minor">
+                <a:schemeClr val="lt1"/>
+              </a:fontRef>
+            </p:style>
+            <p:txBody>
+              <a:bodyPr rot="0" spcFirstLastPara="0" vertOverflow="overflow" horzOverflow="overflow" vert="horz" wrap="square" lIns="91440" tIns="45720" rIns="91440" bIns="45720" numCol="1" spcCol="0" rtlCol="0" fromWordArt="0" anchor="ctr" anchorCtr="0" forceAA="0" compatLnSpc="1">
+                <a:prstTxWarp prst="textNoShape">
+                  <a:avLst/>
+                </a:prstTxWarp>
+                <a:noAutofit/>
+              </a:bodyPr>
+              <a:lstStyle/>
+              <a:p>
+                <a:pPr algn="ctr"/>
+                <a:endParaRPr lang="en-US"/>
+              </a:p>
+            </p:txBody>
+          </p:sp>
+        </p:grpSp>
+        <p:sp>
+          <p:nvSpPr>
+            <p:cNvPr id="101" name="Arrow: Down 100">
+              <a:extLst>
+                <a:ext uri="{FF2B5EF4-FFF2-40B4-BE49-F238E27FC236}">
+                  <a16:creationId xmlns:a16="http://schemas.microsoft.com/office/drawing/2014/main" id="{83DBD6A6-C3C1-43AA-B8A5-BA8C08EFE7F3}"/>
+                </a:ext>
+              </a:extLst>
+            </p:cNvPr>
+            <p:cNvSpPr/>
+            <p:nvPr/>
+          </p:nvSpPr>
+          <p:spPr>
+            <a:xfrm>
+              <a:off x="4758395" y="8975115"/>
+              <a:ext cx="517374" cy="1354273"/>
+            </a:xfrm>
+            <a:prstGeom prst="downArrow">
+              <a:avLst/>
+            </a:prstGeom>
+            <a:solidFill>
+              <a:schemeClr val="bg2">
+                <a:lumMod val="75000"/>
+              </a:schemeClr>
+            </a:solidFill>
+            <a:ln>
+              <a:noFill/>
+            </a:ln>
+          </p:spPr>
+          <p:style>
+            <a:lnRef idx="2">
+              <a:schemeClr val="accent1">
+                <a:shade val="50000"/>
+              </a:schemeClr>
+            </a:lnRef>
+            <a:fillRef idx="1">
+              <a:schemeClr val="accent1"/>
+            </a:fillRef>
+            <a:effectRef idx="0">
+              <a:schemeClr val="accent1"/>
+            </a:effectRef>
+            <a:fontRef idx="minor">
+              <a:schemeClr val="lt1"/>
+            </a:fontRef>
+          </p:style>
+          <p:txBody>
+            <a:bodyPr rot="0" spcFirstLastPara="0" vertOverflow="overflow" horzOverflow="overflow" vert="horz" wrap="square" lIns="91440" tIns="45720" rIns="91440" bIns="45720" numCol="1" spcCol="0" rtlCol="0" fromWordArt="0" anchor="ctr" anchorCtr="0" forceAA="0" compatLnSpc="1">
+              <a:prstTxWarp prst="textNoShape">
+                <a:avLst/>
+              </a:prstTxWarp>
+              <a:noAutofit/>
+            </a:bodyPr>
+            <a:lstStyle/>
+            <a:p>
+              <a:pPr algn="ctr"/>
+              <a:endParaRPr lang="en-US"/>
+            </a:p>
+          </p:txBody>
+        </p:sp>
+        <p:grpSp>
+          <p:nvGrpSpPr>
+            <p:cNvPr id="74" name="Group 73">
+              <a:extLst>
+                <a:ext uri="{FF2B5EF4-FFF2-40B4-BE49-F238E27FC236}">
+                  <a16:creationId xmlns:a16="http://schemas.microsoft.com/office/drawing/2014/main" id="{3D6EA6D3-9773-4ED4-81D4-69FA3C0990C2}"/>
+                </a:ext>
+              </a:extLst>
+            </p:cNvPr>
+            <p:cNvGrpSpPr/>
+            <p:nvPr/>
+          </p:nvGrpSpPr>
+          <p:grpSpPr>
+            <a:xfrm>
+              <a:off x="4356682" y="9160838"/>
+              <a:ext cx="1320800" cy="804705"/>
+              <a:chOff x="4401061" y="7267875"/>
+              <a:chExt cx="1320800" cy="804705"/>
+            </a:xfrm>
+          </p:grpSpPr>
+          <p:grpSp>
+            <p:nvGrpSpPr>
+              <p:cNvPr id="30" name="Group 29">
+                <a:extLst>
+                  <a:ext uri="{FF2B5EF4-FFF2-40B4-BE49-F238E27FC236}">
+                    <a16:creationId xmlns:a16="http://schemas.microsoft.com/office/drawing/2014/main" id="{8AD41027-3B49-486D-BBEC-344E93E2E9A9}"/>
+                  </a:ext>
+                </a:extLst>
+              </p:cNvPr>
+              <p:cNvGrpSpPr/>
+              <p:nvPr/>
+            </p:nvGrpSpPr>
+            <p:grpSpPr>
+              <a:xfrm>
+                <a:off x="4401061" y="7267875"/>
+                <a:ext cx="1016000" cy="499905"/>
+                <a:chOff x="2437894" y="5802308"/>
+                <a:chExt cx="1016000" cy="549896"/>
+              </a:xfrm>
+            </p:grpSpPr>
+            <p:sp>
+              <p:nvSpPr>
+                <p:cNvPr id="31" name="Oval 30">
+                  <a:extLst>
+                    <a:ext uri="{FF2B5EF4-FFF2-40B4-BE49-F238E27FC236}">
+                      <a16:creationId xmlns:a16="http://schemas.microsoft.com/office/drawing/2014/main" id="{6EFB03E5-E2C5-484F-A706-206099188DE2}"/>
+                    </a:ext>
+                  </a:extLst>
+                </p:cNvPr>
+                <p:cNvSpPr/>
+                <p:nvPr/>
+              </p:nvSpPr>
+              <p:spPr>
+                <a:xfrm>
+                  <a:off x="2437894" y="5802308"/>
+                  <a:ext cx="1016000" cy="549896"/>
+                </a:xfrm>
+                <a:prstGeom prst="ellipse">
+                  <a:avLst/>
+                </a:prstGeom>
+                <a:solidFill>
+                  <a:schemeClr val="bg2">
+                    <a:lumMod val="75000"/>
+                  </a:schemeClr>
+                </a:solidFill>
+              </p:spPr>
+              <p:style>
+                <a:lnRef idx="2">
+                  <a:schemeClr val="accent1">
+                    <a:shade val="50000"/>
+                  </a:schemeClr>
+                </a:lnRef>
+                <a:fillRef idx="1">
+                  <a:schemeClr val="accent1"/>
+                </a:fillRef>
+                <a:effectRef idx="0">
+                  <a:schemeClr val="accent1"/>
+                </a:effectRef>
+                <a:fontRef idx="minor">
+                  <a:schemeClr val="lt1"/>
+                </a:fontRef>
+              </p:style>
+              <p:txBody>
+                <a:bodyPr rot="0" spcFirstLastPara="0" vertOverflow="overflow" horzOverflow="overflow" vert="horz" wrap="square" lIns="91440" tIns="45720" rIns="91440" bIns="45720" numCol="1" spcCol="0" rtlCol="0" fromWordArt="0" anchor="ctr" anchorCtr="0" forceAA="0" compatLnSpc="1">
+                  <a:prstTxWarp prst="textNoShape">
+                    <a:avLst/>
+                  </a:prstTxWarp>
+                  <a:noAutofit/>
+                </a:bodyPr>
+                <a:lstStyle/>
+                <a:p>
+                  <a:pPr algn="ctr"/>
+                  <a:endParaRPr lang="en-US"/>
+                </a:p>
+              </p:txBody>
+            </p:sp>
+            <p:sp>
+              <p:nvSpPr>
+                <p:cNvPr id="32" name="TextBox 31">
+                  <a:extLst>
+                    <a:ext uri="{FF2B5EF4-FFF2-40B4-BE49-F238E27FC236}">
+                      <a16:creationId xmlns:a16="http://schemas.microsoft.com/office/drawing/2014/main" id="{C38D1E4C-0158-41FF-921F-C01F6DB66A68}"/>
+                    </a:ext>
+                  </a:extLst>
+                </p:cNvPr>
+                <p:cNvSpPr txBox="1"/>
+                <p:nvPr/>
+              </p:nvSpPr>
+              <p:spPr>
+                <a:xfrm>
+                  <a:off x="2662002" y="5938756"/>
+                  <a:ext cx="567784" cy="276999"/>
+                </a:xfrm>
+                <a:prstGeom prst="rect">
+                  <a:avLst/>
+                </a:prstGeom>
+                <a:noFill/>
+              </p:spPr>
+              <p:txBody>
+                <a:bodyPr wrap="none" rtlCol="0" anchor="ctr" anchorCtr="1">
+                  <a:spAutoFit/>
+                </a:bodyPr>
+                <a:lstStyle/>
+                <a:p>
+                  <a:pPr algn="ctr"/>
+                  <a:r>
+                    <a:rPr lang="de-DE" sz="1200" dirty="0" err="1"/>
+                    <a:t>plugin</a:t>
+                  </a:r>
+                  <a:endParaRPr lang="en-US" sz="1200" dirty="0"/>
+                </a:p>
+              </p:txBody>
+            </p:sp>
+          </p:grpSp>
+          <p:grpSp>
+            <p:nvGrpSpPr>
+              <p:cNvPr id="33" name="Group 32">
+                <a:extLst>
+                  <a:ext uri="{FF2B5EF4-FFF2-40B4-BE49-F238E27FC236}">
+                    <a16:creationId xmlns:a16="http://schemas.microsoft.com/office/drawing/2014/main" id="{E1AED2AB-2E45-4A1C-BB5B-54843139331E}"/>
+                  </a:ext>
+                </a:extLst>
+              </p:cNvPr>
+              <p:cNvGrpSpPr/>
+              <p:nvPr/>
+            </p:nvGrpSpPr>
+            <p:grpSpPr>
+              <a:xfrm>
+                <a:off x="4553461" y="7420275"/>
+                <a:ext cx="1016000" cy="499905"/>
+                <a:chOff x="2437894" y="5802308"/>
+                <a:chExt cx="1016000" cy="549896"/>
+              </a:xfrm>
+            </p:grpSpPr>
+            <p:sp>
+              <p:nvSpPr>
+                <p:cNvPr id="34" name="Oval 33">
+                  <a:extLst>
+                    <a:ext uri="{FF2B5EF4-FFF2-40B4-BE49-F238E27FC236}">
+                      <a16:creationId xmlns:a16="http://schemas.microsoft.com/office/drawing/2014/main" id="{7BA47AAC-C098-4727-A4D1-8D98987EB997}"/>
+                    </a:ext>
+                  </a:extLst>
+                </p:cNvPr>
+                <p:cNvSpPr/>
+                <p:nvPr/>
+              </p:nvSpPr>
+              <p:spPr>
+                <a:xfrm>
+                  <a:off x="2437894" y="5802308"/>
+                  <a:ext cx="1016000" cy="549896"/>
+                </a:xfrm>
+                <a:prstGeom prst="ellipse">
+                  <a:avLst/>
+                </a:prstGeom>
+                <a:solidFill>
+                  <a:schemeClr val="bg2">
+                    <a:lumMod val="75000"/>
+                  </a:schemeClr>
+                </a:solidFill>
+              </p:spPr>
+              <p:style>
+                <a:lnRef idx="2">
+                  <a:schemeClr val="accent1">
+                    <a:shade val="50000"/>
+                  </a:schemeClr>
+                </a:lnRef>
+                <a:fillRef idx="1">
+                  <a:schemeClr val="accent1"/>
+                </a:fillRef>
+                <a:effectRef idx="0">
+                  <a:schemeClr val="accent1"/>
+                </a:effectRef>
+                <a:fontRef idx="minor">
+                  <a:schemeClr val="lt1"/>
+                </a:fontRef>
+              </p:style>
+              <p:txBody>
+                <a:bodyPr rot="0" spcFirstLastPara="0" vertOverflow="overflow" horzOverflow="overflow" vert="horz" wrap="square" lIns="91440" tIns="45720" rIns="91440" bIns="45720" numCol="1" spcCol="0" rtlCol="0" fromWordArt="0" anchor="ctr" anchorCtr="0" forceAA="0" compatLnSpc="1">
+                  <a:prstTxWarp prst="textNoShape">
+                    <a:avLst/>
+                  </a:prstTxWarp>
+                  <a:noAutofit/>
+                </a:bodyPr>
+                <a:lstStyle/>
+                <a:p>
+                  <a:pPr algn="ctr"/>
+                  <a:endParaRPr lang="en-US"/>
+                </a:p>
+              </p:txBody>
+            </p:sp>
+            <p:sp>
+              <p:nvSpPr>
+                <p:cNvPr id="35" name="TextBox 34">
+                  <a:extLst>
+                    <a:ext uri="{FF2B5EF4-FFF2-40B4-BE49-F238E27FC236}">
+                      <a16:creationId xmlns:a16="http://schemas.microsoft.com/office/drawing/2014/main" id="{7995BCB5-1239-4257-93DD-3E96C44E9364}"/>
+                    </a:ext>
+                  </a:extLst>
+                </p:cNvPr>
+                <p:cNvSpPr txBox="1"/>
+                <p:nvPr/>
+              </p:nvSpPr>
+              <p:spPr>
+                <a:xfrm>
+                  <a:off x="2662002" y="5938756"/>
+                  <a:ext cx="567784" cy="276999"/>
+                </a:xfrm>
+                <a:prstGeom prst="rect">
+                  <a:avLst/>
+                </a:prstGeom>
+                <a:noFill/>
+              </p:spPr>
+              <p:txBody>
+                <a:bodyPr wrap="none" rtlCol="0" anchor="ctr" anchorCtr="1">
+                  <a:spAutoFit/>
+                </a:bodyPr>
+                <a:lstStyle/>
+                <a:p>
+                  <a:pPr algn="ctr"/>
+                  <a:r>
+                    <a:rPr lang="de-DE" sz="1200" dirty="0" err="1"/>
+                    <a:t>plugin</a:t>
+                  </a:r>
+                  <a:endParaRPr lang="en-US" sz="1200" dirty="0"/>
+                </a:p>
+              </p:txBody>
+            </p:sp>
+          </p:grpSp>
+          <p:grpSp>
+            <p:nvGrpSpPr>
+              <p:cNvPr id="36" name="Group 35">
+                <a:extLst>
+                  <a:ext uri="{FF2B5EF4-FFF2-40B4-BE49-F238E27FC236}">
+                    <a16:creationId xmlns:a16="http://schemas.microsoft.com/office/drawing/2014/main" id="{DFECB2FF-93B2-42D6-8304-BA69CBE8AE74}"/>
+                  </a:ext>
+                </a:extLst>
+              </p:cNvPr>
+              <p:cNvGrpSpPr/>
+              <p:nvPr/>
+            </p:nvGrpSpPr>
+            <p:grpSpPr>
+              <a:xfrm>
+                <a:off x="4705861" y="7572675"/>
+                <a:ext cx="1016000" cy="499905"/>
+                <a:chOff x="2437894" y="5802308"/>
+                <a:chExt cx="1016000" cy="549896"/>
+              </a:xfrm>
+            </p:grpSpPr>
+            <p:sp>
+              <p:nvSpPr>
+                <p:cNvPr id="37" name="Oval 36">
+                  <a:extLst>
+                    <a:ext uri="{FF2B5EF4-FFF2-40B4-BE49-F238E27FC236}">
+                      <a16:creationId xmlns:a16="http://schemas.microsoft.com/office/drawing/2014/main" id="{703F4C89-178A-433A-85A1-B239D788B00D}"/>
+                    </a:ext>
+                  </a:extLst>
+                </p:cNvPr>
+                <p:cNvSpPr/>
+                <p:nvPr/>
+              </p:nvSpPr>
+              <p:spPr>
+                <a:xfrm>
+                  <a:off x="2437894" y="5802308"/>
+                  <a:ext cx="1016000" cy="549896"/>
+                </a:xfrm>
+                <a:prstGeom prst="ellipse">
+                  <a:avLst/>
+                </a:prstGeom>
+                <a:solidFill>
+                  <a:schemeClr val="bg2">
+                    <a:lumMod val="75000"/>
+                  </a:schemeClr>
+                </a:solidFill>
+              </p:spPr>
+              <p:style>
+                <a:lnRef idx="2">
+                  <a:schemeClr val="accent1">
+                    <a:shade val="50000"/>
+                  </a:schemeClr>
+                </a:lnRef>
+                <a:fillRef idx="1">
+                  <a:schemeClr val="accent1"/>
+                </a:fillRef>
+                <a:effectRef idx="0">
+                  <a:schemeClr val="accent1"/>
+                </a:effectRef>
+                <a:fontRef idx="minor">
+                  <a:schemeClr val="lt1"/>
+                </a:fontRef>
+              </p:style>
+              <p:txBody>
+                <a:bodyPr rot="0" spcFirstLastPara="0" vertOverflow="overflow" horzOverflow="overflow" vert="horz" wrap="square" lIns="91440" tIns="45720" rIns="91440" bIns="45720" numCol="1" spcCol="0" rtlCol="0" fromWordArt="0" anchor="ctr" anchorCtr="0" forceAA="0" compatLnSpc="1">
+                  <a:prstTxWarp prst="textNoShape">
+                    <a:avLst/>
+                  </a:prstTxWarp>
+                  <a:noAutofit/>
+                </a:bodyPr>
+                <a:lstStyle/>
+                <a:p>
+                  <a:pPr algn="ctr"/>
+                  <a:endParaRPr lang="en-US"/>
+                </a:p>
+              </p:txBody>
+            </p:sp>
+            <p:sp>
+              <p:nvSpPr>
+                <p:cNvPr id="38" name="TextBox 37">
+                  <a:extLst>
+                    <a:ext uri="{FF2B5EF4-FFF2-40B4-BE49-F238E27FC236}">
+                      <a16:creationId xmlns:a16="http://schemas.microsoft.com/office/drawing/2014/main" id="{77873B7A-F116-4B26-BEB3-9F33F36470CF}"/>
+                    </a:ext>
+                  </a:extLst>
+                </p:cNvPr>
+                <p:cNvSpPr txBox="1"/>
+                <p:nvPr/>
+              </p:nvSpPr>
+              <p:spPr>
+                <a:xfrm>
+                  <a:off x="2662002" y="5938756"/>
+                  <a:ext cx="567784" cy="276999"/>
+                </a:xfrm>
+                <a:prstGeom prst="rect">
+                  <a:avLst/>
+                </a:prstGeom>
+                <a:noFill/>
+              </p:spPr>
+              <p:txBody>
+                <a:bodyPr wrap="none" rtlCol="0" anchor="ctr" anchorCtr="1">
+                  <a:spAutoFit/>
+                </a:bodyPr>
+                <a:lstStyle/>
+                <a:p>
+                  <a:pPr algn="ctr"/>
+                  <a:r>
+                    <a:rPr lang="de-DE" sz="1200" dirty="0" err="1"/>
+                    <a:t>plugin</a:t>
+                  </a:r>
+                  <a:endParaRPr lang="en-US" sz="1200" dirty="0"/>
+                </a:p>
+              </p:txBody>
+            </p:sp>
+          </p:grpSp>
+        </p:grpSp>
+        <p:grpSp>
+          <p:nvGrpSpPr>
+            <p:cNvPr id="96" name="Group 95">
+              <a:extLst>
+                <a:ext uri="{FF2B5EF4-FFF2-40B4-BE49-F238E27FC236}">
+                  <a16:creationId xmlns:a16="http://schemas.microsoft.com/office/drawing/2014/main" id="{7A48A5B1-B0CC-4AB1-9A43-03735CF80ACA}"/>
+                </a:ext>
+              </a:extLst>
+            </p:cNvPr>
+            <p:cNvGrpSpPr/>
+            <p:nvPr/>
+          </p:nvGrpSpPr>
+          <p:grpSpPr>
+            <a:xfrm>
+              <a:off x="4509082" y="8322700"/>
+              <a:ext cx="1016000" cy="660400"/>
+              <a:chOff x="4517840" y="7711428"/>
+              <a:chExt cx="1016000" cy="660400"/>
+            </a:xfrm>
+          </p:grpSpPr>
+          <p:sp>
+            <p:nvSpPr>
+              <p:cNvPr id="99" name="Rectangle 98">
+                <a:extLst>
+                  <a:ext uri="{FF2B5EF4-FFF2-40B4-BE49-F238E27FC236}">
+                    <a16:creationId xmlns:a16="http://schemas.microsoft.com/office/drawing/2014/main" id="{7EA8992E-D070-4ADC-A1AF-6942935562CC}"/>
+                  </a:ext>
+                </a:extLst>
+              </p:cNvPr>
+              <p:cNvSpPr/>
+              <p:nvPr/>
+            </p:nvSpPr>
+            <p:spPr>
+              <a:xfrm>
+                <a:off x="4517840" y="7711428"/>
+                <a:ext cx="1016000" cy="660400"/>
+              </a:xfrm>
+              <a:prstGeom prst="rect">
+                <a:avLst/>
+              </a:prstGeom>
+              <a:solidFill>
+                <a:schemeClr val="bg2">
+                  <a:lumMod val="90000"/>
+                </a:schemeClr>
+              </a:solidFill>
+            </p:spPr>
+            <p:style>
+              <a:lnRef idx="2">
+                <a:schemeClr val="accent1">
+                  <a:shade val="50000"/>
+                </a:schemeClr>
+              </a:lnRef>
+              <a:fillRef idx="1">
+                <a:schemeClr val="accent1"/>
+              </a:fillRef>
+              <a:effectRef idx="0">
+                <a:schemeClr val="accent1"/>
+              </a:effectRef>
+              <a:fontRef idx="minor">
+                <a:schemeClr val="lt1"/>
+              </a:fontRef>
+            </p:style>
+            <p:txBody>
+              <a:bodyPr rot="0" spcFirstLastPara="0" vertOverflow="overflow" horzOverflow="overflow" vert="horz" wrap="square" lIns="91440" tIns="45720" rIns="91440" bIns="45720" numCol="1" spcCol="0" rtlCol="0" fromWordArt="0" anchor="ctr" anchorCtr="0" forceAA="0" compatLnSpc="1">
+                <a:prstTxWarp prst="textNoShape">
+                  <a:avLst/>
+                </a:prstTxWarp>
+                <a:noAutofit/>
+              </a:bodyPr>
+              <a:lstStyle/>
+              <a:p>
+                <a:pPr algn="ctr"/>
+                <a:endParaRPr lang="en-US"/>
+              </a:p>
+            </p:txBody>
+          </p:sp>
+          <p:sp>
+            <p:nvSpPr>
+              <p:cNvPr id="95" name="TextBox 94">
+                <a:extLst>
+                  <a:ext uri="{FF2B5EF4-FFF2-40B4-BE49-F238E27FC236}">
+                    <a16:creationId xmlns:a16="http://schemas.microsoft.com/office/drawing/2014/main" id="{F22F9509-E71B-4B83-B8FC-3E1BF31F0CA8}"/>
+                  </a:ext>
+                </a:extLst>
+              </p:cNvPr>
+              <p:cNvSpPr txBox="1"/>
+              <p:nvPr/>
+            </p:nvSpPr>
+            <p:spPr>
+              <a:xfrm>
+                <a:off x="4643364" y="7718463"/>
+                <a:ext cx="764953" cy="646331"/>
+              </a:xfrm>
+              <a:prstGeom prst="rect">
+                <a:avLst/>
+              </a:prstGeom>
+              <a:noFill/>
+            </p:spPr>
+            <p:txBody>
+              <a:bodyPr wrap="none" rtlCol="0">
+                <a:spAutoFit/>
+              </a:bodyPr>
+              <a:lstStyle/>
+              <a:p>
+                <a:r>
+                  <a:rPr lang="de-DE" dirty="0" err="1"/>
+                  <a:t>Plugin</a:t>
+                </a:r>
+                <a:endParaRPr lang="de-DE" dirty="0"/>
+              </a:p>
+              <a:p>
+                <a:pPr algn="ctr"/>
+                <a:r>
+                  <a:rPr lang="de-DE" dirty="0" err="1"/>
+                  <a:t>config</a:t>
+                </a:r>
+                <a:endParaRPr lang="en-US" dirty="0"/>
+              </a:p>
+            </p:txBody>
+          </p:sp>
+        </p:grpSp>
+        <p:sp>
+          <p:nvSpPr>
+            <p:cNvPr id="103" name="TextBox 102">
+              <a:extLst>
+                <a:ext uri="{FF2B5EF4-FFF2-40B4-BE49-F238E27FC236}">
+                  <a16:creationId xmlns:a16="http://schemas.microsoft.com/office/drawing/2014/main" id="{13087529-6520-41C3-B533-850DDFF34DD9}"/>
+                </a:ext>
+              </a:extLst>
+            </p:cNvPr>
+            <p:cNvSpPr txBox="1"/>
+            <p:nvPr/>
+          </p:nvSpPr>
+          <p:spPr>
+            <a:xfrm>
+              <a:off x="4407524" y="3229134"/>
+              <a:ext cx="1219116" cy="646331"/>
+            </a:xfrm>
+            <a:prstGeom prst="rect">
+              <a:avLst/>
+            </a:prstGeom>
+            <a:noFill/>
+          </p:spPr>
+          <p:txBody>
+            <a:bodyPr wrap="none" rtlCol="0">
+              <a:spAutoFit/>
+            </a:bodyPr>
+            <a:lstStyle/>
+            <a:p>
+              <a:r>
+                <a:rPr lang="de-DE" dirty="0" err="1"/>
+                <a:t>installation</a:t>
+              </a:r>
+              <a:endParaRPr lang="de-DE" dirty="0"/>
+            </a:p>
+            <a:p>
+              <a:pPr algn="ctr"/>
+              <a:r>
+                <a:rPr lang="de-DE" dirty="0" err="1"/>
+                <a:t>config</a:t>
+              </a:r>
+              <a:endParaRPr lang="en-US" dirty="0"/>
+            </a:p>
+          </p:txBody>
+        </p:sp>
+        <p:sp>
+          <p:nvSpPr>
+            <p:cNvPr id="105" name="Rectangle 104">
+              <a:extLst>
+                <a:ext uri="{FF2B5EF4-FFF2-40B4-BE49-F238E27FC236}">
+                  <a16:creationId xmlns:a16="http://schemas.microsoft.com/office/drawing/2014/main" id="{0271338D-D23F-4CF9-916E-5A6F1F18BC4F}"/>
+                </a:ext>
+              </a:extLst>
+            </p:cNvPr>
+            <p:cNvSpPr/>
+            <p:nvPr/>
+          </p:nvSpPr>
+          <p:spPr>
+            <a:xfrm>
+              <a:off x="978568" y="4255968"/>
+              <a:ext cx="8173280" cy="3663805"/>
+            </a:xfrm>
+            <a:prstGeom prst="rect">
+              <a:avLst/>
+            </a:prstGeom>
+            <a:solidFill>
+              <a:srgbClr val="FFF1C9">
+                <a:alpha val="64000"/>
+              </a:srgbClr>
+            </a:solidFill>
+            <a:ln>
+              <a:solidFill>
+                <a:schemeClr val="accent4">
+                  <a:lumMod val="75000"/>
+                </a:schemeClr>
+              </a:solidFill>
+            </a:ln>
+          </p:spPr>
+          <p:style>
+            <a:lnRef idx="2">
+              <a:schemeClr val="accent1">
+                <a:shade val="50000"/>
+              </a:schemeClr>
+            </a:lnRef>
+            <a:fillRef idx="1">
+              <a:schemeClr val="accent1"/>
+            </a:fillRef>
+            <a:effectRef idx="0">
+              <a:schemeClr val="accent1"/>
+            </a:effectRef>
+            <a:fontRef idx="minor">
+              <a:schemeClr val="lt1"/>
+            </a:fontRef>
+          </p:style>
+          <p:txBody>
+            <a:bodyPr rtlCol="0" anchor="ctr"/>
+            <a:lstStyle/>
+            <a:p>
+              <a:pPr algn="ctr"/>
+              <a:endParaRPr lang="en-US"/>
+            </a:p>
+          </p:txBody>
+        </p:sp>
+        <p:sp>
+          <p:nvSpPr>
+            <p:cNvPr id="12" name="Rectangle: Rounded Corners 11">
+              <a:extLst>
+                <a:ext uri="{FF2B5EF4-FFF2-40B4-BE49-F238E27FC236}">
+                  <a16:creationId xmlns:a16="http://schemas.microsoft.com/office/drawing/2014/main" id="{00C98960-D493-4305-AC67-22ABDCB72F78}"/>
+                </a:ext>
+              </a:extLst>
+            </p:cNvPr>
+            <p:cNvSpPr/>
+            <p:nvPr/>
+          </p:nvSpPr>
+          <p:spPr>
+            <a:xfrm>
+              <a:off x="4241270" y="5885800"/>
+              <a:ext cx="1551624" cy="1069410"/>
+            </a:xfrm>
+            <a:prstGeom prst="roundRect">
+              <a:avLst>
+                <a:gd name="adj" fmla="val 17582"/>
+              </a:avLst>
+            </a:prstGeom>
+            <a:solidFill>
+              <a:srgbClr val="FFE9A3"/>
+            </a:solidFill>
+          </p:spPr>
+          <p:style>
+            <a:lnRef idx="2">
+              <a:schemeClr val="accent1">
+                <a:shade val="50000"/>
+              </a:schemeClr>
+            </a:lnRef>
+            <a:fillRef idx="1">
+              <a:schemeClr val="accent1"/>
+            </a:fillRef>
+            <a:effectRef idx="0">
+              <a:schemeClr val="accent1"/>
+            </a:effectRef>
+            <a:fontRef idx="minor">
+              <a:schemeClr val="lt1"/>
+            </a:fontRef>
+          </p:style>
+          <p:txBody>
+            <a:bodyPr rot="0" spcFirstLastPara="0" vertOverflow="overflow" horzOverflow="overflow" vert="horz" wrap="square" lIns="91440" tIns="45720" rIns="91440" bIns="45720" numCol="1" spcCol="0" rtlCol="0" fromWordArt="0" anchor="ctr" anchorCtr="0" forceAA="0" compatLnSpc="1">
+              <a:prstTxWarp prst="textNoShape">
+                <a:avLst/>
+              </a:prstTxWarp>
+              <a:noAutofit/>
+            </a:bodyPr>
+            <a:lstStyle/>
+            <a:p>
+              <a:pPr algn="ctr"/>
+              <a:endParaRPr lang="en-US"/>
+            </a:p>
+          </p:txBody>
+        </p:sp>
+        <p:sp>
+          <p:nvSpPr>
+            <p:cNvPr id="39" name="Arrow: Down 38">
+              <a:extLst>
+                <a:ext uri="{FF2B5EF4-FFF2-40B4-BE49-F238E27FC236}">
+                  <a16:creationId xmlns:a16="http://schemas.microsoft.com/office/drawing/2014/main" id="{41E8356C-1F00-4887-BC95-A7560FE99B4E}"/>
+                </a:ext>
+              </a:extLst>
+            </p:cNvPr>
+            <p:cNvSpPr/>
+            <p:nvPr/>
+          </p:nvSpPr>
+          <p:spPr>
+            <a:xfrm>
+              <a:off x="4758395" y="6978316"/>
+              <a:ext cx="517374" cy="1311909"/>
+            </a:xfrm>
+            <a:prstGeom prst="downArrow">
+              <a:avLst/>
+            </a:prstGeom>
+            <a:solidFill>
+              <a:schemeClr val="bg2">
+                <a:lumMod val="75000"/>
+              </a:schemeClr>
+            </a:solidFill>
+            <a:ln>
+              <a:noFill/>
+            </a:ln>
+          </p:spPr>
+          <p:style>
+            <a:lnRef idx="2">
+              <a:schemeClr val="accent1">
+                <a:shade val="50000"/>
+              </a:schemeClr>
+            </a:lnRef>
+            <a:fillRef idx="1">
+              <a:schemeClr val="accent1"/>
+            </a:fillRef>
+            <a:effectRef idx="0">
+              <a:schemeClr val="accent1"/>
+            </a:effectRef>
+            <a:fontRef idx="minor">
+              <a:schemeClr val="lt1"/>
+            </a:fontRef>
+          </p:style>
+          <p:txBody>
+            <a:bodyPr rot="0" spcFirstLastPara="0" vertOverflow="overflow" horzOverflow="overflow" vert="horz" wrap="square" lIns="91440" tIns="45720" rIns="91440" bIns="45720" numCol="1" spcCol="0" rtlCol="0" fromWordArt="0" anchor="ctr" anchorCtr="0" forceAA="0" compatLnSpc="1">
+              <a:prstTxWarp prst="textNoShape">
+                <a:avLst/>
+              </a:prstTxWarp>
+              <a:noAutofit/>
+            </a:bodyPr>
+            <a:lstStyle/>
+            <a:p>
+              <a:pPr algn="ctr"/>
+              <a:endParaRPr lang="en-US"/>
+            </a:p>
+          </p:txBody>
+        </p:sp>
+        <p:sp>
+          <p:nvSpPr>
+            <p:cNvPr id="61" name="TextBox 60">
+              <a:extLst>
+                <a:ext uri="{FF2B5EF4-FFF2-40B4-BE49-F238E27FC236}">
+                  <a16:creationId xmlns:a16="http://schemas.microsoft.com/office/drawing/2014/main" id="{F4694376-83EB-4C25-9C51-8277007512EE}"/>
+                </a:ext>
+              </a:extLst>
+            </p:cNvPr>
+            <p:cNvSpPr txBox="1"/>
+            <p:nvPr/>
+          </p:nvSpPr>
+          <p:spPr>
+            <a:xfrm>
+              <a:off x="4384954" y="5825413"/>
+              <a:ext cx="1264257" cy="369332"/>
+            </a:xfrm>
+            <a:prstGeom prst="rect">
+              <a:avLst/>
+            </a:prstGeom>
+            <a:noFill/>
+          </p:spPr>
+          <p:txBody>
+            <a:bodyPr wrap="none" rtlCol="0">
+              <a:spAutoFit/>
+            </a:bodyPr>
+            <a:lstStyle/>
+            <a:p>
+              <a:r>
+                <a:rPr lang="de-DE" dirty="0" err="1"/>
+                <a:t>component</a:t>
+              </a:r>
+              <a:endParaRPr lang="en-US" dirty="0"/>
+            </a:p>
+          </p:txBody>
+        </p:sp>
+        <p:sp>
+          <p:nvSpPr>
+            <p:cNvPr id="92" name="TextBox 91">
+              <a:extLst>
+                <a:ext uri="{FF2B5EF4-FFF2-40B4-BE49-F238E27FC236}">
+                  <a16:creationId xmlns:a16="http://schemas.microsoft.com/office/drawing/2014/main" id="{3AF1EC2E-82B3-49DA-9225-168AD84BDA66}"/>
+                </a:ext>
+              </a:extLst>
+            </p:cNvPr>
+            <p:cNvSpPr txBox="1"/>
+            <p:nvPr/>
+          </p:nvSpPr>
+          <p:spPr>
+            <a:xfrm rot="16200000">
+              <a:off x="5237766" y="6270701"/>
+              <a:ext cx="874085" cy="338554"/>
+            </a:xfrm>
+            <a:prstGeom prst="rect">
+              <a:avLst/>
+            </a:prstGeom>
+            <a:noFill/>
+          </p:spPr>
+          <p:txBody>
+            <a:bodyPr wrap="none" rtlCol="0">
+              <a:spAutoFit/>
+            </a:bodyPr>
+            <a:lstStyle/>
+            <a:p>
+              <a:r>
+                <a:rPr lang="de-DE" sz="1600" dirty="0" err="1"/>
+                <a:t>contract</a:t>
+              </a:r>
+              <a:endParaRPr lang="en-US" sz="1600" dirty="0"/>
+            </a:p>
+          </p:txBody>
+        </p:sp>
+        <p:sp>
+          <p:nvSpPr>
+            <p:cNvPr id="93" name="TextBox 92">
+              <a:extLst>
+                <a:ext uri="{FF2B5EF4-FFF2-40B4-BE49-F238E27FC236}">
+                  <a16:creationId xmlns:a16="http://schemas.microsoft.com/office/drawing/2014/main" id="{8CA7047E-B653-40B8-A647-CE1CA3D9E166}"/>
+                </a:ext>
+              </a:extLst>
+            </p:cNvPr>
+            <p:cNvSpPr txBox="1"/>
+            <p:nvPr/>
+          </p:nvSpPr>
+          <p:spPr>
+            <a:xfrm rot="5400000">
+              <a:off x="3943213" y="6262012"/>
+              <a:ext cx="832279" cy="338554"/>
+            </a:xfrm>
+            <a:prstGeom prst="rect">
+              <a:avLst/>
+            </a:prstGeom>
+            <a:noFill/>
+          </p:spPr>
+          <p:txBody>
+            <a:bodyPr wrap="none" rtlCol="0">
+              <a:spAutoFit/>
+            </a:bodyPr>
+            <a:lstStyle/>
+            <a:p>
+              <a:r>
+                <a:rPr lang="de-DE" sz="1600" dirty="0" err="1"/>
+                <a:t>imports</a:t>
+              </a:r>
+              <a:endParaRPr lang="en-US" sz="1600" dirty="0"/>
+            </a:p>
+          </p:txBody>
+        </p:sp>
+        <p:cxnSp>
+          <p:nvCxnSpPr>
+            <p:cNvPr id="85" name="Straight Arrow Connector 84">
+              <a:extLst>
+                <a:ext uri="{FF2B5EF4-FFF2-40B4-BE49-F238E27FC236}">
+                  <a16:creationId xmlns:a16="http://schemas.microsoft.com/office/drawing/2014/main" id="{5C65B133-6148-4BAA-8450-4200D03A52CB}"/>
+                </a:ext>
+              </a:extLst>
+            </p:cNvPr>
+            <p:cNvCxnSpPr>
+              <a:cxnSpLocks/>
+              <a:stCxn id="103" idx="2"/>
+            </p:cNvCxnSpPr>
+            <p:nvPr/>
+          </p:nvCxnSpPr>
+          <p:spPr>
+            <a:xfrm flipH="1">
+              <a:off x="5008678" y="3875465"/>
+              <a:ext cx="8404" cy="2010335"/>
+            </a:xfrm>
+            <a:prstGeom prst="straightConnector1">
+              <a:avLst/>
+            </a:prstGeom>
+            <a:ln>
+              <a:tailEnd type="triangle"/>
+            </a:ln>
+          </p:spPr>
+          <p:style>
+            <a:lnRef idx="1">
+              <a:schemeClr val="accent1"/>
+            </a:lnRef>
+            <a:fillRef idx="0">
+              <a:schemeClr val="accent1"/>
+            </a:fillRef>
+            <a:effectRef idx="0">
+              <a:schemeClr val="accent1"/>
+            </a:effectRef>
+            <a:fontRef idx="minor">
+              <a:schemeClr val="tx1"/>
+            </a:fontRef>
+          </p:style>
+        </p:cxnSp>
+        <p:sp>
+          <p:nvSpPr>
+            <p:cNvPr id="60" name="TextBox 59">
+              <a:extLst>
+                <a:ext uri="{FF2B5EF4-FFF2-40B4-BE49-F238E27FC236}">
+                  <a16:creationId xmlns:a16="http://schemas.microsoft.com/office/drawing/2014/main" id="{1A1F396C-024B-4D45-9D84-EF32A525AED1}"/>
+                </a:ext>
+              </a:extLst>
+            </p:cNvPr>
+            <p:cNvSpPr txBox="1"/>
+            <p:nvPr/>
+          </p:nvSpPr>
+          <p:spPr>
+            <a:xfrm>
+              <a:off x="4994223" y="2950543"/>
+              <a:ext cx="45719" cy="369332"/>
+            </a:xfrm>
+            <a:prstGeom prst="rect">
+              <a:avLst/>
+            </a:prstGeom>
+            <a:noFill/>
+          </p:spPr>
+          <p:txBody>
+            <a:bodyPr wrap="square" rtlCol="0">
+              <a:spAutoFit/>
+            </a:bodyPr>
+            <a:lstStyle/>
+            <a:p>
+              <a:endParaRPr lang="en-US" dirty="0"/>
+            </a:p>
+          </p:txBody>
+        </p:sp>
+        <p:sp>
+          <p:nvSpPr>
+            <p:cNvPr id="107" name="TextBox 106">
+              <a:extLst>
+                <a:ext uri="{FF2B5EF4-FFF2-40B4-BE49-F238E27FC236}">
+                  <a16:creationId xmlns:a16="http://schemas.microsoft.com/office/drawing/2014/main" id="{8658A1CD-2D27-4683-B45D-7DE91A625539}"/>
+                </a:ext>
+              </a:extLst>
+            </p:cNvPr>
+            <p:cNvSpPr txBox="1"/>
+            <p:nvPr/>
+          </p:nvSpPr>
+          <p:spPr>
+            <a:xfrm>
+              <a:off x="5109739" y="4203109"/>
+              <a:ext cx="1900200" cy="369332"/>
+            </a:xfrm>
+            <a:prstGeom prst="rect">
+              <a:avLst/>
+            </a:prstGeom>
+            <a:noFill/>
+          </p:spPr>
+          <p:txBody>
+            <a:bodyPr wrap="none" rtlCol="0">
+              <a:spAutoFit/>
+            </a:bodyPr>
+            <a:lstStyle/>
+            <a:p>
+              <a:r>
+                <a:rPr lang="de-DE" dirty="0"/>
+                <a:t>Installation </a:t>
+              </a:r>
+              <a:r>
+                <a:rPr lang="de-DE" dirty="0" err="1"/>
+                <a:t>source</a:t>
+              </a:r>
+              <a:endParaRPr lang="en-US" dirty="0"/>
+            </a:p>
+          </p:txBody>
+        </p:sp>
+      </p:grpSp>
+    </p:spTree>
+    <p:extLst>
+      <p:ext uri="{BB962C8B-B14F-4D97-AF65-F5344CB8AC3E}">
+        <p14:creationId xmlns:p14="http://schemas.microsoft.com/office/powerpoint/2010/main" val="3828649629"/>
+      </p:ext>
+    </p:extLst>
+  </p:cSld>
+  <p:clrMapOvr>
+    <a:masterClrMapping/>
+  </p:clrMapOvr>
+</p:sld>
+</file>
+
 <file path=ppt/theme/theme1.xml><?xml version="1.0" encoding="utf-8"?>
 <a:theme xmlns:a="http://schemas.openxmlformats.org/drawingml/2006/main" name="Office Theme">
   <a:themeElements>

--- a/doc/sow.pptx
+++ b/doc/sow.pptx
@@ -245,7 +245,7 @@
           <a:p>
             <a:fld id="{736FABA4-5E72-4344-B066-0334D9268F11}" type="datetimeFigureOut">
               <a:rPr lang="en-US" smtClean="0"/>
-              <a:t>2/26/2019</a:t>
+              <a:t>3/11/2019</a:t>
             </a:fld>
             <a:endParaRPr lang="en-US"/>
           </a:p>
@@ -415,7 +415,7 @@
           <a:p>
             <a:fld id="{736FABA4-5E72-4344-B066-0334D9268F11}" type="datetimeFigureOut">
               <a:rPr lang="en-US" smtClean="0"/>
-              <a:t>2/26/2019</a:t>
+              <a:t>3/11/2019</a:t>
             </a:fld>
             <a:endParaRPr lang="en-US"/>
           </a:p>
@@ -595,7 +595,7 @@
           <a:p>
             <a:fld id="{736FABA4-5E72-4344-B066-0334D9268F11}" type="datetimeFigureOut">
               <a:rPr lang="en-US" smtClean="0"/>
-              <a:t>2/26/2019</a:t>
+              <a:t>3/11/2019</a:t>
             </a:fld>
             <a:endParaRPr lang="en-US"/>
           </a:p>
@@ -765,7 +765,7 @@
           <a:p>
             <a:fld id="{736FABA4-5E72-4344-B066-0334D9268F11}" type="datetimeFigureOut">
               <a:rPr lang="en-US" smtClean="0"/>
-              <a:t>2/26/2019</a:t>
+              <a:t>3/11/2019</a:t>
             </a:fld>
             <a:endParaRPr lang="en-US"/>
           </a:p>
@@ -1009,7 +1009,7 @@
           <a:p>
             <a:fld id="{736FABA4-5E72-4344-B066-0334D9268F11}" type="datetimeFigureOut">
               <a:rPr lang="en-US" smtClean="0"/>
-              <a:t>2/26/2019</a:t>
+              <a:t>3/11/2019</a:t>
             </a:fld>
             <a:endParaRPr lang="en-US"/>
           </a:p>
@@ -1241,7 +1241,7 @@
           <a:p>
             <a:fld id="{736FABA4-5E72-4344-B066-0334D9268F11}" type="datetimeFigureOut">
               <a:rPr lang="en-US" smtClean="0"/>
-              <a:t>2/26/2019</a:t>
+              <a:t>3/11/2019</a:t>
             </a:fld>
             <a:endParaRPr lang="en-US"/>
           </a:p>
@@ -1608,7 +1608,7 @@
           <a:p>
             <a:fld id="{736FABA4-5E72-4344-B066-0334D9268F11}" type="datetimeFigureOut">
               <a:rPr lang="en-US" smtClean="0"/>
-              <a:t>2/26/2019</a:t>
+              <a:t>3/11/2019</a:t>
             </a:fld>
             <a:endParaRPr lang="en-US"/>
           </a:p>
@@ -1726,7 +1726,7 @@
           <a:p>
             <a:fld id="{736FABA4-5E72-4344-B066-0334D9268F11}" type="datetimeFigureOut">
               <a:rPr lang="en-US" smtClean="0"/>
-              <a:t>2/26/2019</a:t>
+              <a:t>3/11/2019</a:t>
             </a:fld>
             <a:endParaRPr lang="en-US"/>
           </a:p>
@@ -1821,7 +1821,7 @@
           <a:p>
             <a:fld id="{736FABA4-5E72-4344-B066-0334D9268F11}" type="datetimeFigureOut">
               <a:rPr lang="en-US" smtClean="0"/>
-              <a:t>2/26/2019</a:t>
+              <a:t>3/11/2019</a:t>
             </a:fld>
             <a:endParaRPr lang="en-US"/>
           </a:p>
@@ -2098,7 +2098,7 @@
           <a:p>
             <a:fld id="{736FABA4-5E72-4344-B066-0334D9268F11}" type="datetimeFigureOut">
               <a:rPr lang="en-US" smtClean="0"/>
-              <a:t>2/26/2019</a:t>
+              <a:t>3/11/2019</a:t>
             </a:fld>
             <a:endParaRPr lang="en-US"/>
           </a:p>
@@ -2355,7 +2355,7 @@
           <a:p>
             <a:fld id="{736FABA4-5E72-4344-B066-0334D9268F11}" type="datetimeFigureOut">
               <a:rPr lang="en-US" smtClean="0"/>
-              <a:t>2/26/2019</a:t>
+              <a:t>3/11/2019</a:t>
             </a:fld>
             <a:endParaRPr lang="en-US"/>
           </a:p>
@@ -2568,7 +2568,7 @@
           <a:p>
             <a:fld id="{736FABA4-5E72-4344-B066-0334D9268F11}" type="datetimeFigureOut">
               <a:rPr lang="en-US" smtClean="0"/>
-              <a:t>2/26/2019</a:t>
+              <a:t>3/11/2019</a:t>
             </a:fld>
             <a:endParaRPr lang="en-US"/>
           </a:p>
@@ -2975,10 +2975,10 @@
       </p:grpSpPr>
       <p:grpSp>
         <p:nvGrpSpPr>
-          <p:cNvPr id="219" name="Group 218">
+          <p:cNvPr id="12" name="Group 11">
             <a:extLst>
               <a:ext uri="{FF2B5EF4-FFF2-40B4-BE49-F238E27FC236}">
-                <a16:creationId xmlns:a16="http://schemas.microsoft.com/office/drawing/2014/main" id="{0F4F31E5-AE5B-4851-BED6-586C4CB1DD31}"/>
+                <a16:creationId xmlns:a16="http://schemas.microsoft.com/office/drawing/2014/main" id="{638313BB-D841-4DC3-9EA4-793CE2E8BB06}"/>
               </a:ext>
             </a:extLst>
           </p:cNvPr>
@@ -3125,7 +3125,7 @@
           </p:nvSpPr>
           <p:spPr>
             <a:xfrm>
-              <a:off x="2744689" y="1647571"/>
+              <a:off x="2723423" y="1413657"/>
               <a:ext cx="8852965" cy="8938734"/>
             </a:xfrm>
             <a:prstGeom prst="roundRect">
@@ -3184,8 +3184,8 @@
           </p:nvSpPr>
           <p:spPr>
             <a:xfrm>
-              <a:off x="6559170" y="2211573"/>
-              <a:ext cx="3476850" cy="6666615"/>
+              <a:off x="6580435" y="3923415"/>
+              <a:ext cx="3455585" cy="4954773"/>
             </a:xfrm>
             <a:custGeom>
               <a:avLst/>
@@ -3482,6 +3482,236 @@
                 <a:gd name="connsiteY3" fmla="*/ 6347637 h 6666615"/>
                 <a:gd name="connsiteX4" fmla="*/ 2673450 w 2673450"/>
                 <a:gd name="connsiteY4" fmla="*/ 6666615 h 6666615"/>
+                <a:gd name="connsiteX0" fmla="*/ 0 w 2673450"/>
+                <a:gd name="connsiteY0" fmla="*/ 0 h 6666615"/>
+                <a:gd name="connsiteX1" fmla="*/ 8175 w 2673450"/>
+                <a:gd name="connsiteY1" fmla="*/ 5582092 h 6666615"/>
+                <a:gd name="connsiteX2" fmla="*/ 1535627 w 2673450"/>
+                <a:gd name="connsiteY2" fmla="*/ 5348178 h 6666615"/>
+                <a:gd name="connsiteX3" fmla="*/ 1537029 w 2673450"/>
+                <a:gd name="connsiteY3" fmla="*/ 6347637 h 6666615"/>
+                <a:gd name="connsiteX4" fmla="*/ 2673450 w 2673450"/>
+                <a:gd name="connsiteY4" fmla="*/ 6666615 h 6666615"/>
+                <a:gd name="connsiteX0" fmla="*/ 0 w 2673450"/>
+                <a:gd name="connsiteY0" fmla="*/ 0 h 6666615"/>
+                <a:gd name="connsiteX1" fmla="*/ 16351 w 2673450"/>
+                <a:gd name="connsiteY1" fmla="*/ 5348176 h 6666615"/>
+                <a:gd name="connsiteX2" fmla="*/ 1535627 w 2673450"/>
+                <a:gd name="connsiteY2" fmla="*/ 5348178 h 6666615"/>
+                <a:gd name="connsiteX3" fmla="*/ 1537029 w 2673450"/>
+                <a:gd name="connsiteY3" fmla="*/ 6347637 h 6666615"/>
+                <a:gd name="connsiteX4" fmla="*/ 2673450 w 2673450"/>
+                <a:gd name="connsiteY4" fmla="*/ 6666615 h 6666615"/>
+                <a:gd name="connsiteX0" fmla="*/ 0 w 2673450"/>
+                <a:gd name="connsiteY0" fmla="*/ 0 h 6666615"/>
+                <a:gd name="connsiteX1" fmla="*/ 16351 w 2673450"/>
+                <a:gd name="connsiteY1" fmla="*/ 5348176 h 6666615"/>
+                <a:gd name="connsiteX2" fmla="*/ 1535627 w 2673450"/>
+                <a:gd name="connsiteY2" fmla="*/ 5348178 h 6666615"/>
+                <a:gd name="connsiteX3" fmla="*/ 1537029 w 2673450"/>
+                <a:gd name="connsiteY3" fmla="*/ 6347637 h 6666615"/>
+                <a:gd name="connsiteX4" fmla="*/ 2673450 w 2673450"/>
+                <a:gd name="connsiteY4" fmla="*/ 6666615 h 6666615"/>
+                <a:gd name="connsiteX0" fmla="*/ 0 w 2673450"/>
+                <a:gd name="connsiteY0" fmla="*/ 0 h 6666615"/>
+                <a:gd name="connsiteX1" fmla="*/ 16351 w 2673450"/>
+                <a:gd name="connsiteY1" fmla="*/ 5348176 h 6666615"/>
+                <a:gd name="connsiteX2" fmla="*/ 1535627 w 2673450"/>
+                <a:gd name="connsiteY2" fmla="*/ 5348178 h 6666615"/>
+                <a:gd name="connsiteX3" fmla="*/ 1537029 w 2673450"/>
+                <a:gd name="connsiteY3" fmla="*/ 6347637 h 6666615"/>
+                <a:gd name="connsiteX4" fmla="*/ 2673450 w 2673450"/>
+                <a:gd name="connsiteY4" fmla="*/ 6666615 h 6666615"/>
+                <a:gd name="connsiteX0" fmla="*/ 236019 w 2909469"/>
+                <a:gd name="connsiteY0" fmla="*/ 0 h 6666615"/>
+                <a:gd name="connsiteX1" fmla="*/ 252370 w 2909469"/>
+                <a:gd name="connsiteY1" fmla="*/ 5348176 h 6666615"/>
+                <a:gd name="connsiteX2" fmla="*/ 1771646 w 2909469"/>
+                <a:gd name="connsiteY2" fmla="*/ 5348178 h 6666615"/>
+                <a:gd name="connsiteX3" fmla="*/ 1773048 w 2909469"/>
+                <a:gd name="connsiteY3" fmla="*/ 6347637 h 6666615"/>
+                <a:gd name="connsiteX4" fmla="*/ 2909469 w 2909469"/>
+                <a:gd name="connsiteY4" fmla="*/ 6666615 h 6666615"/>
+                <a:gd name="connsiteX0" fmla="*/ 0 w 2673450"/>
+                <a:gd name="connsiteY0" fmla="*/ 0 h 6666615"/>
+                <a:gd name="connsiteX1" fmla="*/ 16351 w 2673450"/>
+                <a:gd name="connsiteY1" fmla="*/ 5348176 h 6666615"/>
+                <a:gd name="connsiteX2" fmla="*/ 1535627 w 2673450"/>
+                <a:gd name="connsiteY2" fmla="*/ 5348178 h 6666615"/>
+                <a:gd name="connsiteX3" fmla="*/ 1537029 w 2673450"/>
+                <a:gd name="connsiteY3" fmla="*/ 6347637 h 6666615"/>
+                <a:gd name="connsiteX4" fmla="*/ 2673450 w 2673450"/>
+                <a:gd name="connsiteY4" fmla="*/ 6666615 h 6666615"/>
+                <a:gd name="connsiteX0" fmla="*/ 0 w 2673450"/>
+                <a:gd name="connsiteY0" fmla="*/ 0 h 6666615"/>
+                <a:gd name="connsiteX1" fmla="*/ 16351 w 2673450"/>
+                <a:gd name="connsiteY1" fmla="*/ 5348176 h 6666615"/>
+                <a:gd name="connsiteX2" fmla="*/ 1535627 w 2673450"/>
+                <a:gd name="connsiteY2" fmla="*/ 5348178 h 6666615"/>
+                <a:gd name="connsiteX3" fmla="*/ 1537029 w 2673450"/>
+                <a:gd name="connsiteY3" fmla="*/ 6347637 h 6666615"/>
+                <a:gd name="connsiteX4" fmla="*/ 2673450 w 2673450"/>
+                <a:gd name="connsiteY4" fmla="*/ 6666615 h 6666615"/>
+                <a:gd name="connsiteX0" fmla="*/ 0 w 2673450"/>
+                <a:gd name="connsiteY0" fmla="*/ 0 h 6666615"/>
+                <a:gd name="connsiteX1" fmla="*/ 16351 w 2673450"/>
+                <a:gd name="connsiteY1" fmla="*/ 5348176 h 6666615"/>
+                <a:gd name="connsiteX2" fmla="*/ 1535627 w 2673450"/>
+                <a:gd name="connsiteY2" fmla="*/ 5348178 h 6666615"/>
+                <a:gd name="connsiteX3" fmla="*/ 1537029 w 2673450"/>
+                <a:gd name="connsiteY3" fmla="*/ 6347637 h 6666615"/>
+                <a:gd name="connsiteX4" fmla="*/ 2673450 w 2673450"/>
+                <a:gd name="connsiteY4" fmla="*/ 6666615 h 6666615"/>
+                <a:gd name="connsiteX0" fmla="*/ 0 w 2673450"/>
+                <a:gd name="connsiteY0" fmla="*/ 0 h 6666615"/>
+                <a:gd name="connsiteX1" fmla="*/ 16351 w 2673450"/>
+                <a:gd name="connsiteY1" fmla="*/ 5348176 h 6666615"/>
+                <a:gd name="connsiteX2" fmla="*/ 1535627 w 2673450"/>
+                <a:gd name="connsiteY2" fmla="*/ 5348178 h 6666615"/>
+                <a:gd name="connsiteX3" fmla="*/ 1537029 w 2673450"/>
+                <a:gd name="connsiteY3" fmla="*/ 6347637 h 6666615"/>
+                <a:gd name="connsiteX4" fmla="*/ 2673450 w 2673450"/>
+                <a:gd name="connsiteY4" fmla="*/ 6666615 h 6666615"/>
+                <a:gd name="connsiteX0" fmla="*/ 0 w 2673450"/>
+                <a:gd name="connsiteY0" fmla="*/ 0 h 6666615"/>
+                <a:gd name="connsiteX1" fmla="*/ 16351 w 2673450"/>
+                <a:gd name="connsiteY1" fmla="*/ 5348176 h 6666615"/>
+                <a:gd name="connsiteX2" fmla="*/ 1535627 w 2673450"/>
+                <a:gd name="connsiteY2" fmla="*/ 5348178 h 6666615"/>
+                <a:gd name="connsiteX3" fmla="*/ 1537029 w 2673450"/>
+                <a:gd name="connsiteY3" fmla="*/ 6347637 h 6666615"/>
+                <a:gd name="connsiteX4" fmla="*/ 2673450 w 2673450"/>
+                <a:gd name="connsiteY4" fmla="*/ 6666615 h 6666615"/>
+                <a:gd name="connsiteX0" fmla="*/ 0 w 2673450"/>
+                <a:gd name="connsiteY0" fmla="*/ 0 h 6666615"/>
+                <a:gd name="connsiteX1" fmla="*/ 16351 w 2673450"/>
+                <a:gd name="connsiteY1" fmla="*/ 5348176 h 6666615"/>
+                <a:gd name="connsiteX2" fmla="*/ 1535627 w 2673450"/>
+                <a:gd name="connsiteY2" fmla="*/ 5348178 h 6666615"/>
+                <a:gd name="connsiteX3" fmla="*/ 1537029 w 2673450"/>
+                <a:gd name="connsiteY3" fmla="*/ 6347637 h 6666615"/>
+                <a:gd name="connsiteX4" fmla="*/ 2673450 w 2673450"/>
+                <a:gd name="connsiteY4" fmla="*/ 6666615 h 6666615"/>
+                <a:gd name="connsiteX0" fmla="*/ 0 w 2673450"/>
+                <a:gd name="connsiteY0" fmla="*/ 0 h 6666615"/>
+                <a:gd name="connsiteX1" fmla="*/ 16351 w 2673450"/>
+                <a:gd name="connsiteY1" fmla="*/ 5348176 h 6666615"/>
+                <a:gd name="connsiteX2" fmla="*/ 1535627 w 2673450"/>
+                <a:gd name="connsiteY2" fmla="*/ 5348178 h 6666615"/>
+                <a:gd name="connsiteX3" fmla="*/ 1537029 w 2673450"/>
+                <a:gd name="connsiteY3" fmla="*/ 6347637 h 6666615"/>
+                <a:gd name="connsiteX4" fmla="*/ 2673450 w 2673450"/>
+                <a:gd name="connsiteY4" fmla="*/ 6666615 h 6666615"/>
+                <a:gd name="connsiteX0" fmla="*/ 0 w 2673450"/>
+                <a:gd name="connsiteY0" fmla="*/ 0 h 6666615"/>
+                <a:gd name="connsiteX1" fmla="*/ 16351 w 2673450"/>
+                <a:gd name="connsiteY1" fmla="*/ 5348176 h 6666615"/>
+                <a:gd name="connsiteX2" fmla="*/ 1535627 w 2673450"/>
+                <a:gd name="connsiteY2" fmla="*/ 5348178 h 6666615"/>
+                <a:gd name="connsiteX3" fmla="*/ 1537029 w 2673450"/>
+                <a:gd name="connsiteY3" fmla="*/ 6347637 h 6666615"/>
+                <a:gd name="connsiteX4" fmla="*/ 2673450 w 2673450"/>
+                <a:gd name="connsiteY4" fmla="*/ 6666615 h 6666615"/>
+                <a:gd name="connsiteX0" fmla="*/ 0 w 2673450"/>
+                <a:gd name="connsiteY0" fmla="*/ 0 h 6666615"/>
+                <a:gd name="connsiteX1" fmla="*/ 24527 w 2673450"/>
+                <a:gd name="connsiteY1" fmla="*/ 5252483 h 6666615"/>
+                <a:gd name="connsiteX2" fmla="*/ 1535627 w 2673450"/>
+                <a:gd name="connsiteY2" fmla="*/ 5348178 h 6666615"/>
+                <a:gd name="connsiteX3" fmla="*/ 1537029 w 2673450"/>
+                <a:gd name="connsiteY3" fmla="*/ 6347637 h 6666615"/>
+                <a:gd name="connsiteX4" fmla="*/ 2673450 w 2673450"/>
+                <a:gd name="connsiteY4" fmla="*/ 6666615 h 6666615"/>
+                <a:gd name="connsiteX0" fmla="*/ 0 w 2673450"/>
+                <a:gd name="connsiteY0" fmla="*/ 0 h 6666615"/>
+                <a:gd name="connsiteX1" fmla="*/ 24527 w 2673450"/>
+                <a:gd name="connsiteY1" fmla="*/ 5252483 h 6666615"/>
+                <a:gd name="connsiteX2" fmla="*/ 1543803 w 2673450"/>
+                <a:gd name="connsiteY2" fmla="*/ 5231220 h 6666615"/>
+                <a:gd name="connsiteX3" fmla="*/ 1537029 w 2673450"/>
+                <a:gd name="connsiteY3" fmla="*/ 6347637 h 6666615"/>
+                <a:gd name="connsiteX4" fmla="*/ 2673450 w 2673450"/>
+                <a:gd name="connsiteY4" fmla="*/ 6666615 h 6666615"/>
+                <a:gd name="connsiteX0" fmla="*/ 0 w 2673450"/>
+                <a:gd name="connsiteY0" fmla="*/ 0 h 6666615"/>
+                <a:gd name="connsiteX1" fmla="*/ 24527 w 2673450"/>
+                <a:gd name="connsiteY1" fmla="*/ 5252483 h 6666615"/>
+                <a:gd name="connsiteX2" fmla="*/ 1560154 w 2673450"/>
+                <a:gd name="connsiteY2" fmla="*/ 5252485 h 6666615"/>
+                <a:gd name="connsiteX3" fmla="*/ 1537029 w 2673450"/>
+                <a:gd name="connsiteY3" fmla="*/ 6347637 h 6666615"/>
+                <a:gd name="connsiteX4" fmla="*/ 2673450 w 2673450"/>
+                <a:gd name="connsiteY4" fmla="*/ 6666615 h 6666615"/>
+                <a:gd name="connsiteX0" fmla="*/ 0 w 2673450"/>
+                <a:gd name="connsiteY0" fmla="*/ 0 h 6666615"/>
+                <a:gd name="connsiteX1" fmla="*/ 24527 w 2673450"/>
+                <a:gd name="connsiteY1" fmla="*/ 5252483 h 6666615"/>
+                <a:gd name="connsiteX2" fmla="*/ 1511100 w 2673450"/>
+                <a:gd name="connsiteY2" fmla="*/ 5241853 h 6666615"/>
+                <a:gd name="connsiteX3" fmla="*/ 1537029 w 2673450"/>
+                <a:gd name="connsiteY3" fmla="*/ 6347637 h 6666615"/>
+                <a:gd name="connsiteX4" fmla="*/ 2673450 w 2673450"/>
+                <a:gd name="connsiteY4" fmla="*/ 6666615 h 6666615"/>
+                <a:gd name="connsiteX0" fmla="*/ 0 w 2673450"/>
+                <a:gd name="connsiteY0" fmla="*/ 0 h 6666615"/>
+                <a:gd name="connsiteX1" fmla="*/ 24527 w 2673450"/>
+                <a:gd name="connsiteY1" fmla="*/ 5252483 h 6666615"/>
+                <a:gd name="connsiteX2" fmla="*/ 1551978 w 2673450"/>
+                <a:gd name="connsiteY2" fmla="*/ 5241853 h 6666615"/>
+                <a:gd name="connsiteX3" fmla="*/ 1537029 w 2673450"/>
+                <a:gd name="connsiteY3" fmla="*/ 6347637 h 6666615"/>
+                <a:gd name="connsiteX4" fmla="*/ 2673450 w 2673450"/>
+                <a:gd name="connsiteY4" fmla="*/ 6666615 h 6666615"/>
+                <a:gd name="connsiteX0" fmla="*/ 0 w 2673450"/>
+                <a:gd name="connsiteY0" fmla="*/ 0 h 6666615"/>
+                <a:gd name="connsiteX1" fmla="*/ 24527 w 2673450"/>
+                <a:gd name="connsiteY1" fmla="*/ 5252483 h 6666615"/>
+                <a:gd name="connsiteX2" fmla="*/ 1551978 w 2673450"/>
+                <a:gd name="connsiteY2" fmla="*/ 5241853 h 6666615"/>
+                <a:gd name="connsiteX3" fmla="*/ 1537029 w 2673450"/>
+                <a:gd name="connsiteY3" fmla="*/ 6028660 h 6666615"/>
+                <a:gd name="connsiteX4" fmla="*/ 2673450 w 2673450"/>
+                <a:gd name="connsiteY4" fmla="*/ 6666615 h 6666615"/>
+                <a:gd name="connsiteX0" fmla="*/ 0 w 2673450"/>
+                <a:gd name="connsiteY0" fmla="*/ 0 h 6666615"/>
+                <a:gd name="connsiteX1" fmla="*/ 24527 w 2673450"/>
+                <a:gd name="connsiteY1" fmla="*/ 5252483 h 6666615"/>
+                <a:gd name="connsiteX2" fmla="*/ 1551978 w 2673450"/>
+                <a:gd name="connsiteY2" fmla="*/ 5241853 h 6666615"/>
+                <a:gd name="connsiteX3" fmla="*/ 1553381 w 2673450"/>
+                <a:gd name="connsiteY3" fmla="*/ 6039293 h 6666615"/>
+                <a:gd name="connsiteX4" fmla="*/ 2673450 w 2673450"/>
+                <a:gd name="connsiteY4" fmla="*/ 6666615 h 6666615"/>
+                <a:gd name="connsiteX0" fmla="*/ 0 w 2673450"/>
+                <a:gd name="connsiteY0" fmla="*/ 0 h 6666615"/>
+                <a:gd name="connsiteX1" fmla="*/ 24527 w 2673450"/>
+                <a:gd name="connsiteY1" fmla="*/ 5252483 h 6666615"/>
+                <a:gd name="connsiteX2" fmla="*/ 1551978 w 2673450"/>
+                <a:gd name="connsiteY2" fmla="*/ 5241853 h 6666615"/>
+                <a:gd name="connsiteX3" fmla="*/ 1553381 w 2673450"/>
+                <a:gd name="connsiteY3" fmla="*/ 6039293 h 6666615"/>
+                <a:gd name="connsiteX4" fmla="*/ 2673450 w 2673450"/>
+                <a:gd name="connsiteY4" fmla="*/ 6666615 h 6666615"/>
+                <a:gd name="connsiteX0" fmla="*/ 0 w 2673450"/>
+                <a:gd name="connsiteY0" fmla="*/ 0 h 4954773"/>
+                <a:gd name="connsiteX1" fmla="*/ 24527 w 2673450"/>
+                <a:gd name="connsiteY1" fmla="*/ 3540641 h 4954773"/>
+                <a:gd name="connsiteX2" fmla="*/ 1551978 w 2673450"/>
+                <a:gd name="connsiteY2" fmla="*/ 3530011 h 4954773"/>
+                <a:gd name="connsiteX3" fmla="*/ 1553381 w 2673450"/>
+                <a:gd name="connsiteY3" fmla="*/ 4327451 h 4954773"/>
+                <a:gd name="connsiteX4" fmla="*/ 2673450 w 2673450"/>
+                <a:gd name="connsiteY4" fmla="*/ 4954773 h 4954773"/>
+                <a:gd name="connsiteX0" fmla="*/ 0 w 2657099"/>
+                <a:gd name="connsiteY0" fmla="*/ 0 h 4954773"/>
+                <a:gd name="connsiteX1" fmla="*/ 8176 w 2657099"/>
+                <a:gd name="connsiteY1" fmla="*/ 3540641 h 4954773"/>
+                <a:gd name="connsiteX2" fmla="*/ 1535627 w 2657099"/>
+                <a:gd name="connsiteY2" fmla="*/ 3530011 h 4954773"/>
+                <a:gd name="connsiteX3" fmla="*/ 1537030 w 2657099"/>
+                <a:gd name="connsiteY3" fmla="*/ 4327451 h 4954773"/>
+                <a:gd name="connsiteX4" fmla="*/ 2657099 w 2657099"/>
+                <a:gd name="connsiteY4" fmla="*/ 4954773 h 4954773"/>
               </a:gdLst>
               <a:ahLst/>
               <a:cxnLst>
@@ -3503,23 +3733,25 @@
               </a:cxnLst>
               <a:rect l="l" t="t" r="r" b="b"/>
               <a:pathLst>
-                <a:path w="2673450" h="6666615">
+                <a:path w="2657099" h="4954773">
                   <a:moveTo>
                     <a:pt x="0" y="0"/>
                   </a:moveTo>
+                  <a:cubicBezTo>
+                    <a:pt x="5450" y="1782725"/>
+                    <a:pt x="0" y="866553"/>
+                    <a:pt x="8176" y="3540641"/>
+                  </a:cubicBezTo>
                   <a:lnTo>
-                    <a:pt x="0" y="4805916"/>
-                  </a:lnTo>
-                  <a:lnTo>
-                    <a:pt x="1535627" y="5348178"/>
+                    <a:pt x="1535627" y="3530011"/>
                   </a:lnTo>
                   <a:cubicBezTo>
-                    <a:pt x="1536094" y="5645889"/>
-                    <a:pt x="1536562" y="6049926"/>
-                    <a:pt x="1537029" y="6347637"/>
+                    <a:pt x="1532433" y="3997843"/>
+                    <a:pt x="1536563" y="4029740"/>
+                    <a:pt x="1537030" y="4327451"/>
                   </a:cubicBezTo>
                   <a:lnTo>
-                    <a:pt x="2673450" y="6666615"/>
+                    <a:pt x="2657099" y="4954773"/>
                   </a:lnTo>
                 </a:path>
               </a:pathLst>
@@ -3579,9 +3811,9 @@
             <p:nvPr/>
           </p:nvSpPr>
           <p:spPr>
-            <a:xfrm>
-              <a:off x="6559168" y="2211572"/>
-              <a:ext cx="1233378" cy="5486400"/>
+            <a:xfrm flipH="1">
+              <a:off x="5456337" y="2438714"/>
+              <a:ext cx="913811" cy="3962068"/>
             </a:xfrm>
             <a:custGeom>
               <a:avLst/>
@@ -3760,6 +3992,80 @@
                 <a:gd name="connsiteY4" fmla="*/ 1041991 h 5486400"/>
                 <a:gd name="connsiteX5" fmla="*/ 328888 w 948380"/>
                 <a:gd name="connsiteY5" fmla="*/ 329609 h 5486400"/>
+                <a:gd name="connsiteX0" fmla="*/ 0 w 948380"/>
+                <a:gd name="connsiteY0" fmla="*/ 0 h 5486400"/>
+                <a:gd name="connsiteX1" fmla="*/ 0 w 948380"/>
+                <a:gd name="connsiteY1" fmla="*/ 3912781 h 5486400"/>
+                <a:gd name="connsiteX2" fmla="*/ 587247 w 948380"/>
+                <a:gd name="connsiteY2" fmla="*/ 5475769 h 5486400"/>
+                <a:gd name="connsiteX3" fmla="*/ 940204 w 948380"/>
+                <a:gd name="connsiteY3" fmla="*/ 5486400 h 5486400"/>
+                <a:gd name="connsiteX4" fmla="*/ 948380 w 948380"/>
+                <a:gd name="connsiteY4" fmla="*/ 1041991 h 5486400"/>
+                <a:gd name="connsiteX5" fmla="*/ 328888 w 948380"/>
+                <a:gd name="connsiteY5" fmla="*/ 329609 h 5486400"/>
+                <a:gd name="connsiteX0" fmla="*/ 0 w 948380"/>
+                <a:gd name="connsiteY0" fmla="*/ 0 h 5486400"/>
+                <a:gd name="connsiteX1" fmla="*/ 0 w 948380"/>
+                <a:gd name="connsiteY1" fmla="*/ 3912781 h 5486400"/>
+                <a:gd name="connsiteX2" fmla="*/ 946977 w 948380"/>
+                <a:gd name="connsiteY2" fmla="*/ 3923415 h 5486400"/>
+                <a:gd name="connsiteX3" fmla="*/ 940204 w 948380"/>
+                <a:gd name="connsiteY3" fmla="*/ 5486400 h 5486400"/>
+                <a:gd name="connsiteX4" fmla="*/ 948380 w 948380"/>
+                <a:gd name="connsiteY4" fmla="*/ 1041991 h 5486400"/>
+                <a:gd name="connsiteX5" fmla="*/ 328888 w 948380"/>
+                <a:gd name="connsiteY5" fmla="*/ 329609 h 5486400"/>
+                <a:gd name="connsiteX0" fmla="*/ 0 w 1046543"/>
+                <a:gd name="connsiteY0" fmla="*/ 0 h 3923415"/>
+                <a:gd name="connsiteX1" fmla="*/ 0 w 1046543"/>
+                <a:gd name="connsiteY1" fmla="*/ 3912781 h 3923415"/>
+                <a:gd name="connsiteX2" fmla="*/ 946977 w 1046543"/>
+                <a:gd name="connsiteY2" fmla="*/ 3923415 h 3923415"/>
+                <a:gd name="connsiteX3" fmla="*/ 948380 w 1046543"/>
+                <a:gd name="connsiteY3" fmla="*/ 1041991 h 3923415"/>
+                <a:gd name="connsiteX4" fmla="*/ 328888 w 1046543"/>
+                <a:gd name="connsiteY4" fmla="*/ 329609 h 3923415"/>
+                <a:gd name="connsiteX0" fmla="*/ 0 w 993957"/>
+                <a:gd name="connsiteY0" fmla="*/ 0 h 3923415"/>
+                <a:gd name="connsiteX1" fmla="*/ 0 w 993957"/>
+                <a:gd name="connsiteY1" fmla="*/ 3912781 h 3923415"/>
+                <a:gd name="connsiteX2" fmla="*/ 946977 w 993957"/>
+                <a:gd name="connsiteY2" fmla="*/ 3923415 h 3923415"/>
+                <a:gd name="connsiteX3" fmla="*/ 948380 w 993957"/>
+                <a:gd name="connsiteY3" fmla="*/ 1041991 h 3923415"/>
+                <a:gd name="connsiteX4" fmla="*/ 328888 w 993957"/>
+                <a:gd name="connsiteY4" fmla="*/ 329609 h 3923415"/>
+                <a:gd name="connsiteX0" fmla="*/ 0 w 948380"/>
+                <a:gd name="connsiteY0" fmla="*/ 0 h 3923415"/>
+                <a:gd name="connsiteX1" fmla="*/ 0 w 948380"/>
+                <a:gd name="connsiteY1" fmla="*/ 3912781 h 3923415"/>
+                <a:gd name="connsiteX2" fmla="*/ 946977 w 948380"/>
+                <a:gd name="connsiteY2" fmla="*/ 3923415 h 3923415"/>
+                <a:gd name="connsiteX3" fmla="*/ 948380 w 948380"/>
+                <a:gd name="connsiteY3" fmla="*/ 1041991 h 3923415"/>
+                <a:gd name="connsiteX4" fmla="*/ 328888 w 948380"/>
+                <a:gd name="connsiteY4" fmla="*/ 329609 h 3923415"/>
+                <a:gd name="connsiteX0" fmla="*/ 0 w 948380"/>
+                <a:gd name="connsiteY0" fmla="*/ 0 h 3923415"/>
+                <a:gd name="connsiteX1" fmla="*/ 0 w 948380"/>
+                <a:gd name="connsiteY1" fmla="*/ 3912781 h 3923415"/>
+                <a:gd name="connsiteX2" fmla="*/ 946977 w 948380"/>
+                <a:gd name="connsiteY2" fmla="*/ 3923415 h 3923415"/>
+                <a:gd name="connsiteX3" fmla="*/ 948380 w 948380"/>
+                <a:gd name="connsiteY3" fmla="*/ 1041991 h 3923415"/>
+                <a:gd name="connsiteX4" fmla="*/ 328888 w 948380"/>
+                <a:gd name="connsiteY4" fmla="*/ 180753 h 3923415"/>
+                <a:gd name="connsiteX0" fmla="*/ 0 w 948380"/>
+                <a:gd name="connsiteY0" fmla="*/ 0 h 3923415"/>
+                <a:gd name="connsiteX1" fmla="*/ 0 w 948380"/>
+                <a:gd name="connsiteY1" fmla="*/ 3912781 h 3923415"/>
+                <a:gd name="connsiteX2" fmla="*/ 946977 w 948380"/>
+                <a:gd name="connsiteY2" fmla="*/ 3923415 h 3923415"/>
+                <a:gd name="connsiteX3" fmla="*/ 948380 w 948380"/>
+                <a:gd name="connsiteY3" fmla="*/ 606056 h 3923415"/>
+                <a:gd name="connsiteX4" fmla="*/ 328888 w 948380"/>
+                <a:gd name="connsiteY4" fmla="*/ 180753 h 3923415"/>
               </a:gdLst>
               <a:ahLst/>
               <a:cxnLst>
@@ -3778,32 +4084,26 @@
                 <a:cxn ang="0">
                   <a:pos x="connsiteX4" y="connsiteY4"/>
                 </a:cxn>
-                <a:cxn ang="0">
-                  <a:pos x="connsiteX5" y="connsiteY5"/>
-                </a:cxn>
               </a:cxnLst>
               <a:rect l="l" t="t" r="r" b="b"/>
               <a:pathLst>
-                <a:path w="948380" h="5486400">
+                <a:path w="948380" h="3923415">
                   <a:moveTo>
                     <a:pt x="0" y="0"/>
                   </a:moveTo>
                   <a:lnTo>
-                    <a:pt x="0" y="4805916"/>
+                    <a:pt x="0" y="3912781"/>
                   </a:lnTo>
                   <a:lnTo>
-                    <a:pt x="587247" y="5475769"/>
-                  </a:lnTo>
-                  <a:lnTo>
-                    <a:pt x="940204" y="5486400"/>
+                    <a:pt x="946977" y="3923415"/>
                   </a:lnTo>
                   <a:cubicBezTo>
-                    <a:pt x="945654" y="4214037"/>
-                    <a:pt x="942930" y="2314354"/>
-                    <a:pt x="948380" y="1041991"/>
+                    <a:pt x="947678" y="2482703"/>
+                    <a:pt x="947678" y="2046768"/>
+                    <a:pt x="948380" y="606056"/>
                   </a:cubicBezTo>
                   <a:lnTo>
-                    <a:pt x="328888" y="329609"/>
+                    <a:pt x="328888" y="180753"/>
                   </a:lnTo>
                 </a:path>
               </a:pathLst>
@@ -3850,121 +4150,6 @@
             </a:p>
           </p:txBody>
         </p:sp>
-        <p:grpSp>
-          <p:nvGrpSpPr>
-            <p:cNvPr id="38" name="Group 37">
-              <a:extLst>
-                <a:ext uri="{FF2B5EF4-FFF2-40B4-BE49-F238E27FC236}">
-                  <a16:creationId xmlns:a16="http://schemas.microsoft.com/office/drawing/2014/main" id="{7B015F35-8BD0-44B3-BB58-F2A442BB9497}"/>
-                </a:ext>
-              </a:extLst>
-            </p:cNvPr>
-            <p:cNvGrpSpPr/>
-            <p:nvPr/>
-          </p:nvGrpSpPr>
-          <p:grpSpPr>
-            <a:xfrm>
-              <a:off x="6690565" y="7122660"/>
-              <a:ext cx="1294393" cy="711478"/>
-              <a:chOff x="939798" y="2396952"/>
-              <a:chExt cx="1294393" cy="711478"/>
-            </a:xfrm>
-          </p:grpSpPr>
-          <p:sp>
-            <p:nvSpPr>
-              <p:cNvPr id="39" name="Rectangle 38">
-                <a:extLst>
-                  <a:ext uri="{FF2B5EF4-FFF2-40B4-BE49-F238E27FC236}">
-                    <a16:creationId xmlns:a16="http://schemas.microsoft.com/office/drawing/2014/main" id="{C3662BB1-2E31-427D-9110-C4E04D5030D5}"/>
-                  </a:ext>
-                </a:extLst>
-              </p:cNvPr>
-              <p:cNvSpPr/>
-              <p:nvPr/>
-            </p:nvSpPr>
-            <p:spPr>
-              <a:xfrm>
-                <a:off x="1288292" y="2720117"/>
-                <a:ext cx="597404" cy="388313"/>
-              </a:xfrm>
-              <a:prstGeom prst="rect">
-                <a:avLst/>
-              </a:prstGeom>
-              <a:solidFill>
-                <a:schemeClr val="accent4">
-                  <a:lumMod val="75000"/>
-                </a:schemeClr>
-              </a:solidFill>
-            </p:spPr>
-            <p:style>
-              <a:lnRef idx="2">
-                <a:schemeClr val="accent1">
-                  <a:shade val="50000"/>
-                </a:schemeClr>
-              </a:lnRef>
-              <a:fillRef idx="1">
-                <a:schemeClr val="accent1"/>
-              </a:fillRef>
-              <a:effectRef idx="0">
-                <a:schemeClr val="accent1"/>
-              </a:effectRef>
-              <a:fontRef idx="minor">
-                <a:schemeClr val="lt1"/>
-              </a:fontRef>
-            </p:style>
-            <p:txBody>
-              <a:bodyPr rot="0" spcFirstLastPara="0" vertOverflow="overflow" horzOverflow="overflow" vert="horz" wrap="square" lIns="91440" tIns="45720" rIns="91440" bIns="45720" numCol="1" spcCol="0" rtlCol="0" fromWordArt="0" anchor="ctr" anchorCtr="0" forceAA="0" compatLnSpc="1">
-                <a:prstTxWarp prst="textNoShape">
-                  <a:avLst/>
-                </a:prstTxWarp>
-                <a:noAutofit/>
-              </a:bodyPr>
-              <a:lstStyle/>
-              <a:p>
-                <a:pPr algn="ctr"/>
-                <a:endParaRPr lang="en-US"/>
-              </a:p>
-            </p:txBody>
-          </p:sp>
-          <p:sp>
-            <p:nvSpPr>
-              <p:cNvPr id="40" name="TextBox 39">
-                <a:extLst>
-                  <a:ext uri="{FF2B5EF4-FFF2-40B4-BE49-F238E27FC236}">
-                    <a16:creationId xmlns:a16="http://schemas.microsoft.com/office/drawing/2014/main" id="{2008EA9E-C095-4B78-825F-E676920E3B0B}"/>
-                  </a:ext>
-                </a:extLst>
-              </p:cNvPr>
-              <p:cNvSpPr txBox="1">
-                <a:spLocks noChangeAspect="1"/>
-              </p:cNvSpPr>
-              <p:nvPr/>
-            </p:nvSpPr>
-            <p:spPr>
-              <a:xfrm>
-                <a:off x="939798" y="2396952"/>
-                <a:ext cx="1294393" cy="323165"/>
-              </a:xfrm>
-              <a:prstGeom prst="rect">
-                <a:avLst/>
-              </a:prstGeom>
-              <a:noFill/>
-            </p:spPr>
-            <p:txBody>
-              <a:bodyPr wrap="none" tIns="0" rtlCol="0" anchor="ctr" anchorCtr="1">
-                <a:noAutofit/>
-              </a:bodyPr>
-              <a:lstStyle/>
-              <a:p>
-                <a:r>
-                  <a:rPr lang="de-DE" sz="1100" dirty="0" err="1"/>
-                  <a:t>state.yaml</a:t>
-                </a:r>
-                <a:endParaRPr lang="en-US" sz="1100" dirty="0"/>
-              </a:p>
-            </p:txBody>
-          </p:sp>
-        </p:grpSp>
         <p:sp>
           <p:nvSpPr>
             <p:cNvPr id="103" name="Freeform: Shape 102">
@@ -3979,8 +4164,8 @@
           </p:nvSpPr>
           <p:spPr>
             <a:xfrm>
-              <a:off x="6070073" y="2211572"/>
-              <a:ext cx="489097" cy="6092456"/>
+              <a:off x="6367777" y="2211572"/>
+              <a:ext cx="0" cy="4805916"/>
             </a:xfrm>
             <a:custGeom>
               <a:avLst/>
@@ -4003,6 +4188,10 @@
                 <a:gd name="connsiteY1" fmla="*/ 4805916 h 6092456"/>
                 <a:gd name="connsiteX2" fmla="*/ 0 w 489097"/>
                 <a:gd name="connsiteY2" fmla="*/ 6092456 h 6092456"/>
+                <a:gd name="connsiteX0" fmla="*/ 0 w 0"/>
+                <a:gd name="connsiteY0" fmla="*/ 0 h 4805916"/>
+                <a:gd name="connsiteX1" fmla="*/ 0 w 0"/>
+                <a:gd name="connsiteY1" fmla="*/ 4805916 h 4805916"/>
               </a:gdLst>
               <a:ahLst/>
               <a:cxnLst>
@@ -4012,21 +4201,15 @@
                 <a:cxn ang="0">
                   <a:pos x="connsiteX1" y="connsiteY1"/>
                 </a:cxn>
-                <a:cxn ang="0">
-                  <a:pos x="connsiteX2" y="connsiteY2"/>
-                </a:cxn>
               </a:cxnLst>
               <a:rect l="l" t="t" r="r" b="b"/>
               <a:pathLst>
-                <a:path w="489097" h="6092456">
+                <a:path h="4805916">
                   <a:moveTo>
-                    <a:pt x="489097" y="0"/>
+                    <a:pt x="0" y="0"/>
                   </a:moveTo>
                   <a:lnTo>
-                    <a:pt x="489097" y="4805916"/>
-                  </a:lnTo>
-                  <a:lnTo>
-                    <a:pt x="0" y="6092456"/>
+                    <a:pt x="0" y="4805916"/>
                   </a:lnTo>
                 </a:path>
               </a:pathLst>
@@ -4379,7 +4562,7 @@
           </p:nvGrpSpPr>
           <p:grpSpPr>
             <a:xfrm>
-              <a:off x="5913321" y="5876076"/>
+              <a:off x="5498661" y="5876076"/>
               <a:ext cx="1294393" cy="711478"/>
               <a:chOff x="939798" y="2396952"/>
               <a:chExt cx="1294393" cy="711478"/>
@@ -4607,10 +4790,10 @@
           </p:nvGrpSpPr>
           <p:grpSpPr>
             <a:xfrm>
-              <a:off x="5295342" y="8384827"/>
-              <a:ext cx="1294393" cy="711478"/>
-              <a:chOff x="939798" y="2396952"/>
-              <a:chExt cx="1294393" cy="711478"/>
+              <a:off x="5858883" y="7261964"/>
+              <a:ext cx="1294393" cy="723029"/>
+              <a:chOff x="939798" y="2720117"/>
+              <a:chExt cx="1294393" cy="723029"/>
             </a:xfrm>
           </p:grpSpPr>
           <p:sp>
@@ -4681,7 +4864,7 @@
             </p:nvSpPr>
             <p:spPr>
               <a:xfrm>
-                <a:off x="939798" y="2396952"/>
+                <a:off x="939798" y="3119981"/>
                 <a:ext cx="1294393" cy="323165"/>
               </a:xfrm>
               <a:prstGeom prst="rect">
@@ -4718,7 +4901,7 @@
           </p:nvGrpSpPr>
           <p:grpSpPr>
             <a:xfrm>
-              <a:off x="5937440" y="1709715"/>
+              <a:off x="5703514" y="1709715"/>
               <a:ext cx="1294393" cy="711478"/>
               <a:chOff x="939798" y="2396952"/>
               <a:chExt cx="1294393" cy="711478"/>
@@ -4947,7 +5130,7 @@
           </p:nvGrpSpPr>
           <p:grpSpPr>
             <a:xfrm>
-              <a:off x="7912059" y="7122660"/>
+              <a:off x="7912059" y="6941894"/>
               <a:ext cx="1294393" cy="711478"/>
               <a:chOff x="939798" y="2396952"/>
               <a:chExt cx="1294393" cy="711478"/>
@@ -5062,7 +5245,7 @@
           </p:nvGrpSpPr>
           <p:grpSpPr>
             <a:xfrm>
-              <a:off x="9831789" y="8384827"/>
+              <a:off x="9831789" y="8384836"/>
               <a:ext cx="1294393" cy="711478"/>
               <a:chOff x="939798" y="2396952"/>
               <a:chExt cx="1294393" cy="711478"/>
@@ -5820,7 +6003,7 @@
           </p:nvGrpSpPr>
           <p:grpSpPr>
             <a:xfrm>
-              <a:off x="4968205" y="9646361"/>
+              <a:off x="5531746" y="9614476"/>
               <a:ext cx="793872" cy="388313"/>
               <a:chOff x="2383793" y="5802308"/>
               <a:chExt cx="1124214" cy="549896"/>
@@ -5946,7 +6129,7 @@
           </p:nvGrpSpPr>
           <p:grpSpPr>
             <a:xfrm>
-              <a:off x="6073461" y="9662312"/>
+              <a:off x="6637002" y="9630427"/>
               <a:ext cx="793872" cy="388313"/>
               <a:chOff x="2383793" y="5802308"/>
               <a:chExt cx="1124214" cy="549896"/>
@@ -6072,7 +6255,7 @@
           </p:nvSpPr>
           <p:spPr>
             <a:xfrm>
-              <a:off x="5699722" y="9595642"/>
+              <a:off x="6273880" y="9595642"/>
               <a:ext cx="473206" cy="369332"/>
             </a:xfrm>
             <a:prstGeom prst="rect">
@@ -6111,8 +6294,8 @@
           </p:nvCxnSpPr>
           <p:spPr>
             <a:xfrm flipH="1">
-              <a:off x="5365139" y="9096305"/>
-              <a:ext cx="577399" cy="550054"/>
+              <a:off x="5928678" y="7650277"/>
+              <a:ext cx="577401" cy="1964199"/>
             </a:xfrm>
             <a:prstGeom prst="straightConnector1">
               <a:avLst/>
@@ -6153,8 +6336,8 @@
           </p:nvCxnSpPr>
           <p:spPr>
             <a:xfrm>
-              <a:off x="5942538" y="9096307"/>
-              <a:ext cx="527857" cy="566005"/>
+              <a:off x="6506079" y="7650277"/>
+              <a:ext cx="527855" cy="1980150"/>
             </a:xfrm>
             <a:prstGeom prst="straightConnector1">
               <a:avLst/>
@@ -6192,7 +6375,7 @@
           </p:nvSpPr>
           <p:spPr>
             <a:xfrm>
-              <a:off x="5546440" y="9221041"/>
+              <a:off x="6099153" y="9008234"/>
               <a:ext cx="753988" cy="523220"/>
             </a:xfrm>
             <a:prstGeom prst="rect">
@@ -6281,8 +6464,8 @@
             <p:nvPr/>
           </p:nvSpPr>
           <p:spPr>
-            <a:xfrm rot="1259939">
-              <a:off x="5863295" y="8203122"/>
+            <a:xfrm>
+              <a:off x="6172408" y="7033197"/>
               <a:ext cx="388040" cy="245352"/>
             </a:xfrm>
             <a:prstGeom prst="downArrow">
@@ -6341,8 +6524,8 @@
             <p:nvPr/>
           </p:nvSpPr>
           <p:spPr>
-            <a:xfrm rot="7888529">
-              <a:off x="6756738" y="2374329"/>
+            <a:xfrm rot="14362759">
+              <a:off x="5937738" y="2438499"/>
               <a:ext cx="388040" cy="245352"/>
             </a:xfrm>
             <a:prstGeom prst="downArrow">
@@ -6401,8 +6584,8 @@
             <p:nvPr/>
           </p:nvSpPr>
           <p:spPr>
-            <a:xfrm rot="17115485">
-              <a:off x="9864996" y="8768307"/>
+            <a:xfrm rot="17558114">
+              <a:off x="9864996" y="8768316"/>
               <a:ext cx="388040" cy="245352"/>
             </a:xfrm>
             <a:prstGeom prst="downArrow">
@@ -6678,10 +6861,10 @@
           </p:nvGrpSpPr>
           <p:grpSpPr>
             <a:xfrm>
-              <a:off x="7480475" y="2423535"/>
-              <a:ext cx="323165" cy="369332"/>
-              <a:chOff x="7743648" y="4429479"/>
-              <a:chExt cx="323165" cy="369332"/>
+              <a:off x="4944688" y="5673235"/>
+              <a:ext cx="452368" cy="369332"/>
+              <a:chOff x="7686903" y="4429479"/>
+              <a:chExt cx="452368" cy="369332"/>
             </a:xfrm>
           </p:grpSpPr>
           <p:sp>
@@ -6698,8 +6881,8 @@
             </p:nvSpPr>
             <p:spPr>
               <a:xfrm>
-                <a:off x="7750701" y="4429479"/>
-                <a:ext cx="316112" cy="369332"/>
+                <a:off x="7686903" y="4429479"/>
+                <a:ext cx="452368" cy="369332"/>
               </a:xfrm>
               <a:prstGeom prst="rect">
                 <a:avLst/>
@@ -6715,7 +6898,7 @@
                   <a:rPr lang="de-DE" dirty="0">
                     <a:latin typeface="Bauhaus 93" panose="04030905020B02020C02" pitchFamily="82" charset="0"/>
                   </a:rPr>
-                  <a:t>3</a:t>
+                  <a:t>4a</a:t>
                 </a:r>
                 <a:endParaRPr lang="en-US" dirty="0"/>
               </a:p>
@@ -7139,7 +7322,7 @@
           </p:nvGrpSpPr>
           <p:grpSpPr>
             <a:xfrm>
-              <a:off x="3639174" y="1102920"/>
+              <a:off x="3639174" y="1028489"/>
               <a:ext cx="323165" cy="369332"/>
               <a:chOff x="7743648" y="4429479"/>
               <a:chExt cx="323165" cy="369332"/>
@@ -7646,10 +7829,10 @@
           </p:nvGrpSpPr>
           <p:grpSpPr>
             <a:xfrm>
-              <a:off x="5870989" y="7270649"/>
-              <a:ext cx="323165" cy="369332"/>
-              <a:chOff x="7743648" y="4429479"/>
-              <a:chExt cx="323165" cy="369332"/>
+              <a:off x="5739611" y="6687406"/>
+              <a:ext cx="449162" cy="369332"/>
+              <a:chOff x="7697536" y="4429479"/>
+              <a:chExt cx="449162" cy="369332"/>
             </a:xfrm>
           </p:grpSpPr>
           <p:sp>
@@ -7666,8 +7849,8 @@
             </p:nvSpPr>
             <p:spPr>
               <a:xfrm>
-                <a:off x="7750701" y="4429479"/>
-                <a:ext cx="316112" cy="369332"/>
+                <a:off x="7697536" y="4429479"/>
+                <a:ext cx="449162" cy="369332"/>
               </a:xfrm>
               <a:prstGeom prst="rect">
                 <a:avLst/>
@@ -7683,7 +7866,7 @@
                   <a:rPr lang="de-DE" dirty="0">
                     <a:latin typeface="Bauhaus 93" panose="04030905020B02020C02" pitchFamily="82" charset="0"/>
                   </a:rPr>
-                  <a:t>4</a:t>
+                  <a:t>4b</a:t>
                 </a:r>
                 <a:endParaRPr lang="en-US" dirty="0"/>
               </a:p>
@@ -7761,7 +7944,7 @@
           </p:nvGrpSpPr>
           <p:grpSpPr>
             <a:xfrm>
-              <a:off x="6445932" y="9095317"/>
+              <a:off x="6326247" y="8764405"/>
               <a:ext cx="323165" cy="369332"/>
               <a:chOff x="7743648" y="4429479"/>
               <a:chExt cx="323165" cy="369332"/>
@@ -7876,7 +8059,7 @@
           </p:nvSpPr>
           <p:spPr>
             <a:xfrm>
-              <a:off x="5619354" y="10067380"/>
+              <a:off x="6193512" y="10067380"/>
               <a:ext cx="517374" cy="688617"/>
             </a:xfrm>
             <a:prstGeom prst="downArrow">
@@ -7935,7 +8118,7 @@
           </p:nvSpPr>
           <p:spPr>
             <a:xfrm>
-              <a:off x="5289191" y="10763577"/>
+              <a:off x="5863349" y="10763577"/>
               <a:ext cx="1156740" cy="933076"/>
             </a:xfrm>
             <a:prstGeom prst="flowChartMultidocument">
@@ -7989,7 +8172,7 @@
           </p:nvSpPr>
           <p:spPr>
             <a:xfrm>
-              <a:off x="5247726" y="11005515"/>
+              <a:off x="5821884" y="11005515"/>
               <a:ext cx="1066894" cy="523220"/>
             </a:xfrm>
             <a:prstGeom prst="rect">
@@ -8034,7 +8217,7 @@
           </p:nvGrpSpPr>
           <p:grpSpPr>
             <a:xfrm>
-              <a:off x="7887596" y="5700392"/>
+              <a:off x="9174606" y="8076207"/>
               <a:ext cx="323165" cy="369332"/>
               <a:chOff x="7743648" y="4429479"/>
               <a:chExt cx="323165" cy="369332"/>
@@ -8135,121 +8318,6 @@
             </p:txBody>
           </p:sp>
         </p:grpSp>
-        <p:grpSp>
-          <p:nvGrpSpPr>
-            <p:cNvPr id="173" name="Group 172">
-              <a:extLst>
-                <a:ext uri="{FF2B5EF4-FFF2-40B4-BE49-F238E27FC236}">
-                  <a16:creationId xmlns:a16="http://schemas.microsoft.com/office/drawing/2014/main" id="{D19DDC9F-F77A-4B73-80B6-6F235E3263B9}"/>
-                </a:ext>
-              </a:extLst>
-            </p:cNvPr>
-            <p:cNvGrpSpPr/>
-            <p:nvPr/>
-          </p:nvGrpSpPr>
-          <p:grpSpPr>
-            <a:xfrm>
-              <a:off x="8667724" y="7987746"/>
-              <a:ext cx="323165" cy="369332"/>
-              <a:chOff x="7743648" y="4429479"/>
-              <a:chExt cx="323165" cy="369332"/>
-            </a:xfrm>
-          </p:grpSpPr>
-          <p:sp>
-            <p:nvSpPr>
-              <p:cNvPr id="174" name="Rectangle 173">
-                <a:extLst>
-                  <a:ext uri="{FF2B5EF4-FFF2-40B4-BE49-F238E27FC236}">
-                    <a16:creationId xmlns:a16="http://schemas.microsoft.com/office/drawing/2014/main" id="{2A598E7B-5448-40DA-98F7-0DA5DAD5B17D}"/>
-                  </a:ext>
-                </a:extLst>
-              </p:cNvPr>
-              <p:cNvSpPr/>
-              <p:nvPr/>
-            </p:nvSpPr>
-            <p:spPr>
-              <a:xfrm>
-                <a:off x="7750701" y="4429479"/>
-                <a:ext cx="316112" cy="369332"/>
-              </a:xfrm>
-              <a:prstGeom prst="rect">
-                <a:avLst/>
-              </a:prstGeom>
-            </p:spPr>
-            <p:txBody>
-              <a:bodyPr wrap="none">
-                <a:spAutoFit/>
-              </a:bodyPr>
-              <a:lstStyle/>
-              <a:p>
-                <a:r>
-                  <a:rPr lang="de-DE" dirty="0">
-                    <a:latin typeface="Bauhaus 93" panose="04030905020B02020C02" pitchFamily="82" charset="0"/>
-                  </a:rPr>
-                  <a:t>7</a:t>
-                </a:r>
-                <a:endParaRPr lang="en-US" dirty="0"/>
-              </a:p>
-            </p:txBody>
-          </p:sp>
-          <p:sp>
-            <p:nvSpPr>
-              <p:cNvPr id="175" name="Oval 174">
-                <a:extLst>
-                  <a:ext uri="{FF2B5EF4-FFF2-40B4-BE49-F238E27FC236}">
-                    <a16:creationId xmlns:a16="http://schemas.microsoft.com/office/drawing/2014/main" id="{EFDA2AC1-BB40-4A29-A8BC-70076F8585B0}"/>
-                  </a:ext>
-                </a:extLst>
-              </p:cNvPr>
-              <p:cNvSpPr/>
-              <p:nvPr/>
-            </p:nvSpPr>
-            <p:spPr>
-              <a:xfrm>
-                <a:off x="7743648" y="4441930"/>
-                <a:ext cx="323165" cy="323165"/>
-              </a:xfrm>
-              <a:prstGeom prst="ellipse">
-                <a:avLst/>
-              </a:prstGeom>
-              <a:noFill/>
-              <a:ln w="31750">
-                <a:solidFill>
-                  <a:schemeClr val="tx1"/>
-                </a:solidFill>
-              </a:ln>
-            </p:spPr>
-            <p:style>
-              <a:lnRef idx="2">
-                <a:schemeClr val="accent1">
-                  <a:shade val="50000"/>
-                </a:schemeClr>
-              </a:lnRef>
-              <a:fillRef idx="1">
-                <a:schemeClr val="accent1"/>
-              </a:fillRef>
-              <a:effectRef idx="0">
-                <a:schemeClr val="accent1"/>
-              </a:effectRef>
-              <a:fontRef idx="minor">
-                <a:schemeClr val="lt1"/>
-              </a:fontRef>
-            </p:style>
-            <p:txBody>
-              <a:bodyPr rot="0" spcFirstLastPara="0" vertOverflow="overflow" horzOverflow="overflow" vert="horz" wrap="square" lIns="91440" tIns="45720" rIns="91440" bIns="45720" numCol="1" spcCol="0" rtlCol="0" fromWordArt="0" anchor="ctr" anchorCtr="0" forceAA="0" compatLnSpc="1">
-                <a:prstTxWarp prst="textNoShape">
-                  <a:avLst/>
-                </a:prstTxWarp>
-                <a:noAutofit/>
-              </a:bodyPr>
-              <a:lstStyle/>
-              <a:p>
-                <a:pPr algn="ctr"/>
-                <a:endParaRPr lang="en-US"/>
-              </a:p>
-            </p:txBody>
-          </p:sp>
-        </p:grpSp>
         <p:cxnSp>
           <p:nvCxnSpPr>
             <p:cNvPr id="178" name="Straight Connector 177">
@@ -8268,8 +8336,8 @@
           </p:nvCxnSpPr>
           <p:spPr>
             <a:xfrm flipV="1">
-              <a:off x="10777687" y="6170422"/>
-              <a:ext cx="1780196" cy="2731727"/>
+              <a:off x="10777687" y="8116179"/>
+              <a:ext cx="1780196" cy="785979"/>
             </a:xfrm>
             <a:prstGeom prst="line">
               <a:avLst/>
@@ -8343,7 +8411,7 @@
           </p:nvSpPr>
           <p:spPr>
             <a:xfrm>
-              <a:off x="12557883" y="5635717"/>
+              <a:off x="12557883" y="7581474"/>
               <a:ext cx="1551624" cy="1069410"/>
             </a:xfrm>
             <a:prstGeom prst="roundRect">
@@ -8402,7 +8470,7 @@
           </p:nvSpPr>
           <p:spPr>
             <a:xfrm>
-              <a:off x="12557883" y="7080266"/>
+              <a:off x="12557883" y="9026023"/>
               <a:ext cx="1551624" cy="1069410"/>
             </a:xfrm>
             <a:prstGeom prst="roundRect">
@@ -8458,14 +8526,15 @@
             </p:cNvPr>
             <p:cNvCxnSpPr>
               <a:cxnSpLocks/>
+              <a:stCxn id="45" idx="3"/>
               <a:endCxn id="186" idx="1"/>
             </p:cNvCxnSpPr>
             <p:nvPr/>
           </p:nvCxnSpPr>
           <p:spPr>
-            <a:xfrm flipV="1">
-              <a:off x="10803917" y="7614971"/>
-              <a:ext cx="1753966" cy="1287178"/>
+            <a:xfrm>
+              <a:off x="10777687" y="8902158"/>
+              <a:ext cx="1780196" cy="658570"/>
             </a:xfrm>
             <a:prstGeom prst="line">
               <a:avLst/>
@@ -8548,7 +8617,7 @@
           </p:nvSpPr>
           <p:spPr>
             <a:xfrm>
-              <a:off x="12651512" y="4711049"/>
+              <a:off x="12651512" y="6656806"/>
               <a:ext cx="1354025" cy="646331"/>
             </a:xfrm>
             <a:prstGeom prst="rect">
@@ -8759,15 +8828,15 @@
             </p:cNvPr>
             <p:cNvCxnSpPr>
               <a:cxnSpLocks/>
-              <a:stCxn id="87" idx="3"/>
+              <a:stCxn id="86" idx="7"/>
               <a:endCxn id="197" idx="2"/>
             </p:cNvCxnSpPr>
             <p:nvPr/>
           </p:nvCxnSpPr>
           <p:spPr>
             <a:xfrm flipV="1">
-              <a:off x="6867333" y="9051648"/>
-              <a:ext cx="481598" cy="804821"/>
+              <a:off x="7287593" y="9051648"/>
+              <a:ext cx="61338" cy="635646"/>
             </a:xfrm>
             <a:prstGeom prst="straightConnector1">
               <a:avLst/>
@@ -8803,14 +8872,13 @@
             <p:cNvCxnSpPr>
               <a:cxnSpLocks/>
               <a:stCxn id="197" idx="0"/>
-              <a:endCxn id="39" idx="2"/>
             </p:cNvCxnSpPr>
             <p:nvPr/>
           </p:nvCxnSpPr>
           <p:spPr>
-            <a:xfrm flipH="1" flipV="1">
-              <a:off x="7337761" y="7834138"/>
-              <a:ext cx="11170" cy="829197"/>
+            <a:xfrm flipV="1">
+              <a:off x="7348931" y="7661828"/>
+              <a:ext cx="970563" cy="1001507"/>
             </a:xfrm>
             <a:prstGeom prst="line">
               <a:avLst/>
@@ -8849,7 +8917,7 @@
           </p:nvSpPr>
           <p:spPr>
             <a:xfrm>
-              <a:off x="7144350" y="8231663"/>
+              <a:off x="7209977" y="8199318"/>
               <a:ext cx="421910" cy="246221"/>
             </a:xfrm>
             <a:prstGeom prst="rect">
@@ -8986,6 +9054,49 @@
             </p:txBody>
           </p:sp>
         </p:grpSp>
+        <p:cxnSp>
+          <p:nvCxnSpPr>
+            <p:cNvPr id="5" name="Straight Arrow Connector 4">
+              <a:extLst>
+                <a:ext uri="{FF2B5EF4-FFF2-40B4-BE49-F238E27FC236}">
+                  <a16:creationId xmlns:a16="http://schemas.microsoft.com/office/drawing/2014/main" id="{F69FD318-C153-4CBA-A2C1-C823FEAAF36E}"/>
+                </a:ext>
+              </a:extLst>
+            </p:cNvPr>
+            <p:cNvCxnSpPr>
+              <a:stCxn id="84" idx="1"/>
+              <a:endCxn id="80" idx="6"/>
+            </p:cNvCxnSpPr>
+            <p:nvPr/>
+          </p:nvCxnSpPr>
+          <p:spPr>
+            <a:xfrm flipH="1" flipV="1">
+              <a:off x="2001260" y="9569582"/>
+              <a:ext cx="3530486" cy="239051"/>
+            </a:xfrm>
+            <a:prstGeom prst="straightConnector1">
+              <a:avLst/>
+            </a:prstGeom>
+            <a:ln>
+              <a:prstDash val="sysDash"/>
+              <a:tailEnd type="triangle"/>
+            </a:ln>
+          </p:spPr>
+          <p:style>
+            <a:lnRef idx="1">
+              <a:schemeClr val="accent1"/>
+            </a:lnRef>
+            <a:fillRef idx="0">
+              <a:schemeClr val="accent1"/>
+            </a:fillRef>
+            <a:effectRef idx="0">
+              <a:schemeClr val="accent1"/>
+            </a:effectRef>
+            <a:fontRef idx="minor">
+              <a:schemeClr val="tx1"/>
+            </a:fontRef>
+          </p:style>
+        </p:cxnSp>
       </p:grpSp>
     </p:spTree>
     <p:extLst>
@@ -9019,10 +9130,10 @@
       </p:grpSpPr>
       <p:grpSp>
         <p:nvGrpSpPr>
-          <p:cNvPr id="98" name="Group 97">
+          <p:cNvPr id="63" name="Group 62">
             <a:extLst>
               <a:ext uri="{FF2B5EF4-FFF2-40B4-BE49-F238E27FC236}">
-                <a16:creationId xmlns:a16="http://schemas.microsoft.com/office/drawing/2014/main" id="{C8663F4F-FA7A-4245-B937-9030ECEE8B4B}"/>
+                <a16:creationId xmlns:a16="http://schemas.microsoft.com/office/drawing/2014/main" id="{AF739F4D-2E5A-4B93-A271-22958831D577}"/>
               </a:ext>
             </a:extLst>
           </p:cNvPr>
@@ -9978,121 +10089,6 @@
                 <a:r>
                   <a:rPr lang="de-DE" sz="1100" dirty="0" err="1"/>
                   <a:t>component.yaml</a:t>
-                </a:r>
-                <a:endParaRPr lang="en-US" sz="1100" dirty="0"/>
-              </a:p>
-            </p:txBody>
-          </p:sp>
-        </p:grpSp>
-        <p:grpSp>
-          <p:nvGrpSpPr>
-            <p:cNvPr id="24" name="Group 23">
-              <a:extLst>
-                <a:ext uri="{FF2B5EF4-FFF2-40B4-BE49-F238E27FC236}">
-                  <a16:creationId xmlns:a16="http://schemas.microsoft.com/office/drawing/2014/main" id="{46F97672-AB97-45F9-BE4D-A12904EB76BA}"/>
-                </a:ext>
-              </a:extLst>
-            </p:cNvPr>
-            <p:cNvGrpSpPr/>
-            <p:nvPr/>
-          </p:nvGrpSpPr>
-          <p:grpSpPr>
-            <a:xfrm>
-              <a:off x="5609626" y="5026087"/>
-              <a:ext cx="1294393" cy="711478"/>
-              <a:chOff x="939798" y="2396952"/>
-              <a:chExt cx="1294393" cy="711478"/>
-            </a:xfrm>
-          </p:grpSpPr>
-          <p:sp>
-            <p:nvSpPr>
-              <p:cNvPr id="25" name="Rectangle 24">
-                <a:extLst>
-                  <a:ext uri="{FF2B5EF4-FFF2-40B4-BE49-F238E27FC236}">
-                    <a16:creationId xmlns:a16="http://schemas.microsoft.com/office/drawing/2014/main" id="{60B3D31A-FDC4-469B-9CDA-F4F2C065FC8B}"/>
-                  </a:ext>
-                </a:extLst>
-              </p:cNvPr>
-              <p:cNvSpPr/>
-              <p:nvPr/>
-            </p:nvSpPr>
-            <p:spPr>
-              <a:xfrm>
-                <a:off x="1288292" y="2720117"/>
-                <a:ext cx="597404" cy="388313"/>
-              </a:xfrm>
-              <a:prstGeom prst="rect">
-                <a:avLst/>
-              </a:prstGeom>
-              <a:solidFill>
-                <a:schemeClr val="accent4">
-                  <a:lumMod val="75000"/>
-                </a:schemeClr>
-              </a:solidFill>
-            </p:spPr>
-            <p:style>
-              <a:lnRef idx="2">
-                <a:schemeClr val="accent1">
-                  <a:shade val="50000"/>
-                </a:schemeClr>
-              </a:lnRef>
-              <a:fillRef idx="1">
-                <a:schemeClr val="accent1"/>
-              </a:fillRef>
-              <a:effectRef idx="0">
-                <a:schemeClr val="accent1"/>
-              </a:effectRef>
-              <a:fontRef idx="minor">
-                <a:schemeClr val="lt1"/>
-              </a:fontRef>
-            </p:style>
-            <p:txBody>
-              <a:bodyPr rot="0" spcFirstLastPara="0" vertOverflow="overflow" horzOverflow="overflow" vert="horz" wrap="square" lIns="91440" tIns="45720" rIns="91440" bIns="45720" numCol="1" spcCol="0" rtlCol="0" fromWordArt="0" anchor="ctr" anchorCtr="0" forceAA="0" compatLnSpc="1">
-                <a:prstTxWarp prst="textNoShape">
-                  <a:avLst/>
-                </a:prstTxWarp>
-                <a:noAutofit/>
-              </a:bodyPr>
-              <a:lstStyle/>
-              <a:p>
-                <a:pPr algn="ctr"/>
-                <a:endParaRPr lang="en-US"/>
-              </a:p>
-            </p:txBody>
-          </p:sp>
-          <p:sp>
-            <p:nvSpPr>
-              <p:cNvPr id="26" name="TextBox 25">
-                <a:extLst>
-                  <a:ext uri="{FF2B5EF4-FFF2-40B4-BE49-F238E27FC236}">
-                    <a16:creationId xmlns:a16="http://schemas.microsoft.com/office/drawing/2014/main" id="{2A712083-B57D-4DE0-994C-258186698472}"/>
-                  </a:ext>
-                </a:extLst>
-              </p:cNvPr>
-              <p:cNvSpPr txBox="1">
-                <a:spLocks noChangeAspect="1"/>
-              </p:cNvSpPr>
-              <p:nvPr/>
-            </p:nvSpPr>
-            <p:spPr>
-              <a:xfrm>
-                <a:off x="939798" y="2396952"/>
-                <a:ext cx="1294393" cy="323165"/>
-              </a:xfrm>
-              <a:prstGeom prst="rect">
-                <a:avLst/>
-              </a:prstGeom>
-              <a:noFill/>
-            </p:spPr>
-            <p:txBody>
-              <a:bodyPr wrap="none" tIns="0" rtlCol="0" anchor="ctr" anchorCtr="1">
-                <a:noAutofit/>
-              </a:bodyPr>
-              <a:lstStyle/>
-              <a:p>
-                <a:r>
-                  <a:rPr lang="de-DE" sz="1100" dirty="0" err="1"/>
-                  <a:t>state.yaml</a:t>
                 </a:r>
                 <a:endParaRPr lang="en-US" sz="1100" dirty="0"/>
               </a:p>
@@ -11793,6 +11789,47 @@
               <a:ext cx="1020944" cy="1347804"/>
             </a:xfrm>
             <a:prstGeom prst="straightConnector1">
+              <a:avLst/>
+            </a:prstGeom>
+            <a:ln>
+              <a:tailEnd type="triangle"/>
+            </a:ln>
+          </p:spPr>
+          <p:style>
+            <a:lnRef idx="1">
+              <a:schemeClr val="accent1"/>
+            </a:lnRef>
+            <a:fillRef idx="0">
+              <a:schemeClr val="accent1"/>
+            </a:fillRef>
+            <a:effectRef idx="0">
+              <a:schemeClr val="accent1"/>
+            </a:effectRef>
+            <a:fontRef idx="minor">
+              <a:schemeClr val="tx1"/>
+            </a:fontRef>
+          </p:style>
+        </p:cxnSp>
+        <p:cxnSp>
+          <p:nvCxnSpPr>
+            <p:cNvPr id="58" name="Connector: Elbow 57">
+              <a:extLst>
+                <a:ext uri="{FF2B5EF4-FFF2-40B4-BE49-F238E27FC236}">
+                  <a16:creationId xmlns:a16="http://schemas.microsoft.com/office/drawing/2014/main" id="{DA4BDDA4-F054-4EA1-BF8E-0AAF089E5AD9}"/>
+                </a:ext>
+              </a:extLst>
+            </p:cNvPr>
+            <p:cNvCxnSpPr>
+              <a:endCxn id="50" idx="1"/>
+            </p:cNvCxnSpPr>
+            <p:nvPr/>
+          </p:nvCxnSpPr>
+          <p:spPr>
+            <a:xfrm rot="16200000" flipH="1">
+              <a:off x="4516298" y="5594459"/>
+              <a:ext cx="1456094" cy="102784"/>
+            </a:xfrm>
+            <a:prstGeom prst="bentConnector2">
               <a:avLst/>
             </a:prstGeom>
             <a:ln>
